--- a/spring12/slidesS12/geometric-sums.pptx
+++ b/spring12/slidesS12/geometric-sums.pptx
@@ -4828,28 +4828,6 @@
       </p:grpSpPr>
       <p:sp>
         <p:nvSpPr>
-          <p:cNvPr id="119810" name="Rectangle 2"/>
-          <p:cNvSpPr>
-            <a:spLocks noGrp="1" noChangeArrowheads="1"/>
-          </p:cNvSpPr>
-          <p:nvPr>
-            <p:ph type="title"/>
-          </p:nvPr>
-        </p:nvSpPr>
-        <p:spPr/>
-        <p:txBody>
-          <a:bodyPr/>
-          <a:lstStyle/>
-          <a:p>
-            <a:r>
-              <a:rPr lang="en-US" b="0"/>
-              <a:t>Infinite Geometric Series</a:t>
-            </a:r>
-          </a:p>
-        </p:txBody>
-      </p:sp>
-      <p:sp>
-        <p:nvSpPr>
           <p:cNvPr id="119813" name="Text Box 5"/>
           <p:cNvSpPr txBox="1">
             <a:spLocks noChangeArrowheads="1"/>
@@ -4907,13 +4885,13 @@
           <a:lstStyle/>
           <a:p>
             <a:r>
-              <a:rPr lang="en-US" sz="5600">
+              <a:rPr lang="en-US" sz="5600" dirty="0">
                 <a:latin typeface="Comic Sans MS" charset="0"/>
               </a:rPr>
               <a:t>for </a:t>
             </a:r>
             <a:r>
-              <a:rPr lang="en-US" sz="5600">
+              <a:rPr lang="en-US" sz="5600" dirty="0">
                 <a:solidFill>
                   <a:srgbClr val="3333FF"/>
                 </a:solidFill>
@@ -4922,13 +4900,13 @@
               <a:t>|x|</a:t>
             </a:r>
             <a:r>
-              <a:rPr lang="en-US" sz="5600">
+              <a:rPr lang="en-US" sz="5600" dirty="0">
                 <a:latin typeface="Comic Sans MS" charset="0"/>
               </a:rPr>
               <a:t> </a:t>
             </a:r>
             <a:r>
-              <a:rPr lang="en-US" sz="5600" b="1">
+              <a:rPr lang="en-US" sz="5600" b="1" dirty="0">
                 <a:solidFill>
                   <a:srgbClr val="3333FF"/>
                 </a:solidFill>
@@ -4938,13 +4916,13 @@
               <a:t>&lt;</a:t>
             </a:r>
             <a:r>
-              <a:rPr lang="en-US" sz="5600" b="1">
+              <a:rPr lang="en-US" sz="5600" b="1" dirty="0">
                 <a:latin typeface="Comic Sans MS" charset="0"/>
               </a:rPr>
               <a:t> </a:t>
             </a:r>
             <a:r>
-              <a:rPr lang="en-US" sz="5600">
+              <a:rPr lang="en-US" sz="5600" dirty="0">
                 <a:solidFill>
                   <a:srgbClr val="3333FF"/>
                 </a:solidFill>
@@ -4977,7 +4955,7 @@
           <a:graphicData uri="http://schemas.openxmlformats.org/presentationml/2006/ole">
             <mc:AlternateContent xmlns:mc="http://schemas.openxmlformats.org/markup-compatibility/2006">
               <mc:Choice xmlns:v="urn:schemas-microsoft-com:vml" Requires="v">
-                <p:oleObj spid="_x0000_s119849" name="Equation" r:id="rId4" imgW="774700" imgH="520700" progId="Equation.DSMT4">
+                <p:oleObj spid="_x0000_s119856" name="Equation" r:id="rId4" imgW="774700" imgH="520700" progId="Equation.DSMT4">
                   <p:embed/>
                 </p:oleObj>
               </mc:Choice>
@@ -5067,10 +5045,11 @@
             <a:avLst/>
           </a:prstGeom>
           <a:noFill/>
-          <a:ln w="38100">
+          <a:ln w="44450">
             <a:solidFill>
               <a:srgbClr val="FF00FF"/>
             </a:solidFill>
+            <a:prstDash val="sysDash"/>
             <a:miter lim="800000"/>
             <a:headEnd/>
             <a:tailEnd/>
@@ -5105,23 +5084,41 @@
           </a:p>
         </p:txBody>
       </p:sp>
+      <p:sp>
+        <p:nvSpPr>
+          <p:cNvPr id="7" name="Rectangle 2"/>
+          <p:cNvSpPr>
+            <a:spLocks noGrp="1" noChangeArrowheads="1"/>
+          </p:cNvSpPr>
+          <p:nvPr>
+            <p:ph type="title"/>
+          </p:nvPr>
+        </p:nvSpPr>
+        <p:spPr>
+          <a:xfrm>
+            <a:off x="914400" y="228600"/>
+            <a:ext cx="7772400" cy="1143000"/>
+          </a:xfrm>
+        </p:spPr>
+        <p:txBody>
+          <a:bodyPr/>
+          <a:lstStyle/>
+          <a:p>
+            <a:r>
+              <a:rPr lang="en-US" dirty="0"/>
+              <a:t>Infinite Geometric Series</a:t>
+            </a:r>
+          </a:p>
+        </p:txBody>
+      </p:sp>
     </p:spTree>
   </p:cSld>
   <p:clrMapOvr>
     <a:masterClrMapping/>
   </p:clrMapOvr>
-  <mc:AlternateContent xmlns:mc="http://schemas.openxmlformats.org/markup-compatibility/2006" xmlns:p14="http://schemas.microsoft.com/office/powerpoint/2010/main">
-    <mc:Choice Requires="p14">
-      <p:transition spd="med" p14:dur="700">
-        <p:fade/>
-      </p:transition>
-    </mc:Choice>
-    <mc:Fallback xmlns="">
-      <p:transition xmlns:p14="http://schemas.microsoft.com/office/powerpoint/2010/main" spd="med">
-        <p:fade/>
-      </p:transition>
-    </mc:Fallback>
-  </mc:AlternateContent>
+  <p:transition xmlns:p14="http://schemas.microsoft.com/office/powerpoint/2010/main" spd="slow">
+    <p:fade/>
+  </p:transition>
   <p:timing>
     <p:tnLst>
       <p:par>
@@ -5216,8 +5213,8 @@
         </p:nvSpPr>
         <p:spPr>
           <a:xfrm>
-            <a:off x="323850" y="2362200"/>
-            <a:ext cx="8515350" cy="2133600"/>
+            <a:off x="304800" y="1143000"/>
+            <a:ext cx="8610600" cy="4762500"/>
           </a:xfrm>
         </p:spPr>
         <p:txBody>
@@ -5229,20 +5226,12 @@
               <a:buNone/>
             </a:pPr>
             <a:r>
-              <a:rPr lang="en-US" sz="4800"/>
-              <a:t>I will pay you</a:t>
-            </a:r>
-            <a:r>
-              <a:rPr lang="en-US" sz="4800">
-                <a:solidFill>
-                  <a:srgbClr val="3333FF"/>
-                </a:solidFill>
-              </a:rPr>
-              <a:t> $100 </a:t>
-            </a:r>
-            <a:r>
-              <a:rPr lang="en-US" sz="4800"/>
-              <a:t>in 1 year,</a:t>
+              <a:rPr lang="en-US" sz="6000" dirty="0"/>
+              <a:t>I </a:t>
+            </a:r>
+            <a:r>
+              <a:rPr lang="en-US" sz="6000" dirty="0" smtClean="0"/>
+              <a:t>will</a:t>
             </a:r>
           </a:p>
           <a:p>
@@ -5251,11 +5240,80 @@
               <a:buNone/>
             </a:pPr>
             <a:r>
-              <a:rPr lang="en-US" sz="4800"/>
-              <a:t>if you will pay me</a:t>
-            </a:r>
-            <a:r>
-              <a:rPr lang="en-US" sz="4800">
+              <a:rPr lang="en-US" sz="6600" dirty="0" smtClean="0"/>
+              <a:t>pay </a:t>
+            </a:r>
+            <a:r>
+              <a:rPr lang="en-US" sz="6600" dirty="0"/>
+              <a:t>you</a:t>
+            </a:r>
+            <a:r>
+              <a:rPr lang="en-US" sz="6600" dirty="0">
+                <a:solidFill>
+                  <a:srgbClr val="3333FF"/>
+                </a:solidFill>
+              </a:rPr>
+              <a:t> $</a:t>
+            </a:r>
+            <a:r>
+              <a:rPr lang="en-US" sz="6600" dirty="0" smtClean="0">
+                <a:solidFill>
+                  <a:srgbClr val="3333FF"/>
+                </a:solidFill>
+              </a:rPr>
+              <a:t>10 </a:t>
+            </a:r>
+            <a:r>
+              <a:rPr lang="en-US" sz="6600" dirty="0" smtClean="0"/>
+              <a:t>in </a:t>
+            </a:r>
+            <a:r>
+              <a:rPr lang="en-US" sz="6600" dirty="0">
+                <a:solidFill>
+                  <a:srgbClr val="3333FF"/>
+                </a:solidFill>
+              </a:rPr>
+              <a:t>1</a:t>
+            </a:r>
+            <a:r>
+              <a:rPr lang="en-US" sz="6600" dirty="0"/>
+              <a:t> year</a:t>
+            </a:r>
+            <a:r>
+              <a:rPr lang="en-US" sz="6600" dirty="0" smtClean="0"/>
+              <a:t>, </a:t>
+            </a:r>
+          </a:p>
+          <a:p>
+            <a:pPr>
+              <a:buFontTx/>
+              <a:buNone/>
+            </a:pPr>
+            <a:r>
+              <a:rPr lang="en-US" sz="6000" dirty="0" smtClean="0"/>
+              <a:t>if you </a:t>
+            </a:r>
+            <a:r>
+              <a:rPr lang="en-US" sz="6000" dirty="0"/>
+              <a:t>will </a:t>
+            </a:r>
+            <a:endParaRPr lang="en-US" sz="6000" dirty="0" smtClean="0"/>
+          </a:p>
+          <a:p>
+            <a:pPr algn="ctr">
+              <a:buFontTx/>
+              <a:buNone/>
+            </a:pPr>
+            <a:r>
+              <a:rPr lang="en-US" sz="6600" dirty="0" smtClean="0"/>
+              <a:t>pay </a:t>
+            </a:r>
+            <a:r>
+              <a:rPr lang="en-US" sz="6600" dirty="0"/>
+              <a:t>me</a:t>
+            </a:r>
+            <a:r>
+              <a:rPr lang="en-US" sz="6600" dirty="0">
                 <a:solidFill>
                   <a:schemeClr val="accent2"/>
                 </a:solidFill>
@@ -5263,7 +5321,7 @@
               <a:t> </a:t>
             </a:r>
             <a:r>
-              <a:rPr lang="en-US" sz="4800">
+              <a:rPr lang="en-US" sz="6600" dirty="0">
                 <a:solidFill>
                   <a:srgbClr val="3333FF"/>
                 </a:solidFill>
@@ -5271,7 +5329,7 @@
               <a:t>$</a:t>
             </a:r>
             <a:r>
-              <a:rPr lang="en-US" sz="4800">
+              <a:rPr lang="en-US" sz="6600" dirty="0">
                 <a:solidFill>
                   <a:srgbClr val="FF00FF"/>
                 </a:solidFill>
@@ -5279,7 +5337,7 @@
               <a:t>X</a:t>
             </a:r>
             <a:r>
-              <a:rPr lang="en-US" sz="4800"/>
+              <a:rPr lang="en-US" sz="6600" dirty="0"/>
               <a:t> now.</a:t>
             </a:r>
           </a:p>
@@ -5296,7 +5354,134 @@
   <p:timing>
     <p:tnLst>
       <p:par>
-        <p:cTn xmlns:p14="http://schemas.microsoft.com/office/powerpoint/2010/main" id="1" dur="indefinite" restart="never" nodeType="tmRoot"/>
+        <p:cTn xmlns:p14="http://schemas.microsoft.com/office/powerpoint/2010/main" id="1" dur="indefinite" restart="never" nodeType="tmRoot">
+          <p:childTnLst>
+            <p:seq concurrent="1" nextAc="seek">
+              <p:cTn id="2" dur="indefinite" nodeType="mainSeq">
+                <p:childTnLst>
+                  <p:par>
+                    <p:cTn id="3" fill="hold">
+                      <p:stCondLst>
+                        <p:cond delay="indefinite"/>
+                      </p:stCondLst>
+                      <p:childTnLst>
+                        <p:par>
+                          <p:cTn id="4" fill="hold">
+                            <p:stCondLst>
+                              <p:cond delay="0"/>
+                            </p:stCondLst>
+                            <p:childTnLst>
+                              <p:par>
+                                <p:cTn id="5" presetID="9" presetClass="entr" presetSubtype="0" fill="hold" nodeType="clickEffect">
+                                  <p:stCondLst>
+                                    <p:cond delay="0"/>
+                                  </p:stCondLst>
+                                  <p:childTnLst>
+                                    <p:set>
+                                      <p:cBhvr>
+                                        <p:cTn id="6" dur="1" fill="hold">
+                                          <p:stCondLst>
+                                            <p:cond delay="0"/>
+                                          </p:stCondLst>
+                                        </p:cTn>
+                                        <p:tgtEl>
+                                          <p:spTgt spid="18435">
+                                            <p:txEl>
+                                              <p:pRg st="2" end="2"/>
+                                            </p:txEl>
+                                          </p:spTgt>
+                                        </p:tgtEl>
+                                        <p:attrNameLst>
+                                          <p:attrName>style.visibility</p:attrName>
+                                        </p:attrNameLst>
+                                      </p:cBhvr>
+                                      <p:to>
+                                        <p:strVal val="visible"/>
+                                      </p:to>
+                                    </p:set>
+                                    <p:animEffect transition="in" filter="dissolve">
+                                      <p:cBhvr>
+                                        <p:cTn id="7" dur="500"/>
+                                        <p:tgtEl>
+                                          <p:spTgt spid="18435">
+                                            <p:txEl>
+                                              <p:pRg st="2" end="2"/>
+                                            </p:txEl>
+                                          </p:spTgt>
+                                        </p:tgtEl>
+                                      </p:cBhvr>
+                                    </p:animEffect>
+                                  </p:childTnLst>
+                                </p:cTn>
+                              </p:par>
+                              <p:par>
+                                <p:cTn id="8" presetID="9" presetClass="entr" presetSubtype="0" fill="hold" nodeType="withEffect">
+                                  <p:stCondLst>
+                                    <p:cond delay="0"/>
+                                  </p:stCondLst>
+                                  <p:childTnLst>
+                                    <p:set>
+                                      <p:cBhvr>
+                                        <p:cTn id="9" dur="1" fill="hold">
+                                          <p:stCondLst>
+                                            <p:cond delay="0"/>
+                                          </p:stCondLst>
+                                        </p:cTn>
+                                        <p:tgtEl>
+                                          <p:spTgt spid="18435">
+                                            <p:txEl>
+                                              <p:pRg st="3" end="3"/>
+                                            </p:txEl>
+                                          </p:spTgt>
+                                        </p:tgtEl>
+                                        <p:attrNameLst>
+                                          <p:attrName>style.visibility</p:attrName>
+                                        </p:attrNameLst>
+                                      </p:cBhvr>
+                                      <p:to>
+                                        <p:strVal val="visible"/>
+                                      </p:to>
+                                    </p:set>
+                                    <p:animEffect transition="in" filter="dissolve">
+                                      <p:cBhvr>
+                                        <p:cTn id="10" dur="500"/>
+                                        <p:tgtEl>
+                                          <p:spTgt spid="18435">
+                                            <p:txEl>
+                                              <p:pRg st="3" end="3"/>
+                                            </p:txEl>
+                                          </p:spTgt>
+                                        </p:tgtEl>
+                                      </p:cBhvr>
+                                    </p:animEffect>
+                                  </p:childTnLst>
+                                </p:cTn>
+                              </p:par>
+                            </p:childTnLst>
+                          </p:cTn>
+                        </p:par>
+                      </p:childTnLst>
+                    </p:cTn>
+                  </p:par>
+                </p:childTnLst>
+              </p:cTn>
+              <p:prevCondLst>
+                <p:cond evt="onPrev" delay="0">
+                  <p:tgtEl>
+                    <p:sldTgt/>
+                  </p:tgtEl>
+                </p:cond>
+              </p:prevCondLst>
+              <p:nextCondLst>
+                <p:cond evt="onNext" delay="0">
+                  <p:tgtEl>
+                    <p:sldTgt/>
+                  </p:tgtEl>
+                </p:cond>
+              </p:nextCondLst>
+            </p:seq>
+          </p:childTnLst>
+        </p:cTn>
       </p:par>
     </p:tnLst>
   </p:timing>
@@ -5333,7 +5518,7 @@
         <p:spPr>
           <a:xfrm>
             <a:off x="76200" y="1295400"/>
-            <a:ext cx="8839200" cy="4343400"/>
+            <a:ext cx="8991600" cy="4191000"/>
           </a:xfrm>
         </p:spPr>
         <p:txBody>
@@ -5354,11 +5539,74 @@
                   <a:srgbClr val="3333FF"/>
                 </a:solidFill>
               </a:rPr>
-              <a:t>3% interest</a:t>
-            </a:r>
-            <a:r>
-              <a:rPr lang="en-US" sz="4400" dirty="0"/>
-              <a:t>.</a:t>
+              <a:t>3% </a:t>
+            </a:r>
+            <a:r>
+              <a:rPr lang="en-US" sz="4400" dirty="0" smtClean="0">
+                <a:solidFill>
+                  <a:srgbClr val="3333FF"/>
+                </a:solidFill>
+              </a:rPr>
+              <a:t>interest</a:t>
+            </a:r>
+            <a:endParaRPr lang="en-US" sz="4400" dirty="0"/>
+          </a:p>
+          <a:p>
+            <a:pPr algn="ctr">
+              <a:buFontTx/>
+              <a:buNone/>
+            </a:pPr>
+            <a:r>
+              <a:rPr lang="en-US" sz="6000" dirty="0" err="1" smtClean="0">
+                <a:solidFill>
+                  <a:srgbClr val="9D007C"/>
+                </a:solidFill>
+              </a:rPr>
+              <a:t>bankrate</a:t>
+            </a:r>
+            <a:r>
+              <a:rPr lang="en-US" sz="6000" dirty="0" smtClean="0">
+                <a:solidFill>
+                  <a:srgbClr val="9D007C"/>
+                </a:solidFill>
+              </a:rPr>
+              <a:t>:</a:t>
+            </a:r>
+            <a:r>
+              <a:rPr lang="en-US" sz="6000" dirty="0">
+                <a:solidFill>
+                  <a:srgbClr val="9D007C"/>
+                </a:solidFill>
+              </a:rPr>
+              <a:t> </a:t>
+            </a:r>
+            <a:r>
+              <a:rPr lang="en-US" sz="6000" dirty="0" smtClean="0">
+                <a:solidFill>
+                  <a:srgbClr val="3333FF"/>
+                </a:solidFill>
+              </a:rPr>
+              <a:t>b </a:t>
+            </a:r>
+            <a:r>
+              <a:rPr lang="en-US" sz="6000" dirty="0"/>
+              <a:t>::=</a:t>
+            </a:r>
+            <a:r>
+              <a:rPr lang="en-US" sz="6000" dirty="0">
+                <a:solidFill>
+                  <a:schemeClr val="accent2"/>
+                </a:solidFill>
+              </a:rPr>
+              <a:t> </a:t>
+            </a:r>
+            <a:r>
+              <a:rPr lang="en-US" sz="6000" dirty="0">
+                <a:solidFill>
+                  <a:srgbClr val="3333FF"/>
+                </a:solidFill>
+              </a:rPr>
+              <a:t>1.03</a:t>
             </a:r>
           </a:p>
           <a:p>
@@ -5367,84 +5615,19 @@
               <a:buNone/>
             </a:pPr>
             <a:r>
-              <a:rPr lang="en-US" sz="4800" dirty="0"/>
-              <a:t>define </a:t>
-            </a:r>
-            <a:r>
-              <a:rPr lang="en-US" sz="4800" dirty="0" err="1">
-                <a:solidFill>
-                  <a:srgbClr val="9D007C"/>
-                </a:solidFill>
-              </a:rPr>
-              <a:t>bankrate</a:t>
-            </a:r>
-            <a:endParaRPr lang="en-US" sz="4800" dirty="0">
-              <a:solidFill>
-                <a:srgbClr val="9D007C"/>
-              </a:solidFill>
-            </a:endParaRPr>
-          </a:p>
-          <a:p>
-            <a:pPr algn="ctr">
-              <a:buFontTx/>
-              <a:buNone/>
-            </a:pPr>
-            <a:r>
-              <a:rPr lang="en-US" sz="4800" i="1" dirty="0">
-                <a:solidFill>
-                  <a:schemeClr val="accent2"/>
-                </a:solidFill>
-              </a:rPr>
-              <a:t> </a:t>
-            </a:r>
-            <a:r>
-              <a:rPr lang="en-US" sz="4800" dirty="0">
+              <a:rPr lang="en-US" sz="6000" dirty="0"/>
+              <a:t>－ bank increases my $$ by this factor in </a:t>
+            </a:r>
+            <a:r>
+              <a:rPr lang="en-US" sz="6000" dirty="0">
                 <a:solidFill>
                   <a:srgbClr val="3333FF"/>
                 </a:solidFill>
               </a:rPr>
-              <a:t>b </a:t>
-            </a:r>
-            <a:r>
-              <a:rPr lang="en-US" sz="4800" dirty="0"/>
-              <a:t>::=</a:t>
-            </a:r>
-            <a:r>
-              <a:rPr lang="en-US" sz="4800" dirty="0">
-                <a:solidFill>
-                  <a:schemeClr val="accent2"/>
-                </a:solidFill>
-              </a:rPr>
-              <a:t> </a:t>
-            </a:r>
-            <a:r>
-              <a:rPr lang="en-US" sz="4800" dirty="0">
-                <a:solidFill>
-                  <a:srgbClr val="3333FF"/>
-                </a:solidFill>
-              </a:rPr>
-              <a:t>1.03</a:t>
-            </a:r>
-          </a:p>
-          <a:p>
-            <a:pPr>
-              <a:buFontTx/>
-              <a:buNone/>
-            </a:pPr>
-            <a:r>
-              <a:rPr lang="en-US" sz="4800" dirty="0"/>
-              <a:t>－ bank increases my $$ by this factor in </a:t>
-            </a:r>
-            <a:r>
-              <a:rPr lang="en-US" sz="4800" dirty="0">
-                <a:solidFill>
-                  <a:srgbClr val="3333FF"/>
-                </a:solidFill>
-              </a:rPr>
               <a:t>1 </a:t>
             </a:r>
             <a:r>
-              <a:rPr lang="en-US" sz="4800" dirty="0"/>
+              <a:rPr lang="en-US" sz="6000" dirty="0"/>
               <a:t>year.</a:t>
             </a:r>
           </a:p>
@@ -5524,7 +5707,152 @@
   <p:timing>
     <p:tnLst>
       <p:par>
-        <p:cTn xmlns:p14="http://schemas.microsoft.com/office/powerpoint/2010/main" id="1" dur="indefinite" restart="never" nodeType="tmRoot"/>
+        <p:cTn xmlns:p14="http://schemas.microsoft.com/office/powerpoint/2010/main" id="1" dur="indefinite" restart="never" nodeType="tmRoot">
+          <p:childTnLst>
+            <p:seq concurrent="1" nextAc="seek">
+              <p:cTn id="2" dur="indefinite" nodeType="mainSeq">
+                <p:childTnLst>
+                  <p:par>
+                    <p:cTn id="3" fill="hold">
+                      <p:stCondLst>
+                        <p:cond delay="indefinite"/>
+                      </p:stCondLst>
+                      <p:childTnLst>
+                        <p:par>
+                          <p:cTn id="4" fill="hold">
+                            <p:stCondLst>
+                              <p:cond delay="0"/>
+                            </p:stCondLst>
+                            <p:childTnLst>
+                              <p:par>
+                                <p:cTn id="5" presetID="9" presetClass="entr" presetSubtype="0" fill="hold" nodeType="clickEffect">
+                                  <p:stCondLst>
+                                    <p:cond delay="0"/>
+                                  </p:stCondLst>
+                                  <p:childTnLst>
+                                    <p:set>
+                                      <p:cBhvr>
+                                        <p:cTn id="6" dur="1" fill="hold">
+                                          <p:stCondLst>
+                                            <p:cond delay="0"/>
+                                          </p:stCondLst>
+                                        </p:cTn>
+                                        <p:tgtEl>
+                                          <p:spTgt spid="24579">
+                                            <p:txEl>
+                                              <p:pRg st="1" end="1"/>
+                                            </p:txEl>
+                                          </p:spTgt>
+                                        </p:tgtEl>
+                                        <p:attrNameLst>
+                                          <p:attrName>style.visibility</p:attrName>
+                                        </p:attrNameLst>
+                                      </p:cBhvr>
+                                      <p:to>
+                                        <p:strVal val="visible"/>
+                                      </p:to>
+                                    </p:set>
+                                    <p:animEffect transition="in" filter="dissolve">
+                                      <p:cBhvr>
+                                        <p:cTn id="7" dur="500"/>
+                                        <p:tgtEl>
+                                          <p:spTgt spid="24579">
+                                            <p:txEl>
+                                              <p:pRg st="1" end="1"/>
+                                            </p:txEl>
+                                          </p:spTgt>
+                                        </p:tgtEl>
+                                      </p:cBhvr>
+                                    </p:animEffect>
+                                  </p:childTnLst>
+                                </p:cTn>
+                              </p:par>
+                            </p:childTnLst>
+                          </p:cTn>
+                        </p:par>
+                      </p:childTnLst>
+                    </p:cTn>
+                  </p:par>
+                  <p:par>
+                    <p:cTn id="8" fill="hold">
+                      <p:stCondLst>
+                        <p:cond delay="indefinite"/>
+                      </p:stCondLst>
+                      <p:childTnLst>
+                        <p:par>
+                          <p:cTn id="9" fill="hold">
+                            <p:stCondLst>
+                              <p:cond delay="0"/>
+                            </p:stCondLst>
+                            <p:childTnLst>
+                              <p:par>
+                                <p:cTn id="10" presetID="9" presetClass="entr" presetSubtype="0" fill="hold" nodeType="clickEffect">
+                                  <p:stCondLst>
+                                    <p:cond delay="0"/>
+                                  </p:stCondLst>
+                                  <p:childTnLst>
+                                    <p:set>
+                                      <p:cBhvr>
+                                        <p:cTn id="11" dur="1" fill="hold">
+                                          <p:stCondLst>
+                                            <p:cond delay="0"/>
+                                          </p:stCondLst>
+                                        </p:cTn>
+                                        <p:tgtEl>
+                                          <p:spTgt spid="24579">
+                                            <p:txEl>
+                                              <p:pRg st="2" end="2"/>
+                                            </p:txEl>
+                                          </p:spTgt>
+                                        </p:tgtEl>
+                                        <p:attrNameLst>
+                                          <p:attrName>style.visibility</p:attrName>
+                                        </p:attrNameLst>
+                                      </p:cBhvr>
+                                      <p:to>
+                                        <p:strVal val="visible"/>
+                                      </p:to>
+                                    </p:set>
+                                    <p:animEffect transition="in" filter="dissolve">
+                                      <p:cBhvr>
+                                        <p:cTn id="12" dur="500"/>
+                                        <p:tgtEl>
+                                          <p:spTgt spid="24579">
+                                            <p:txEl>
+                                              <p:pRg st="2" end="2"/>
+                                            </p:txEl>
+                                          </p:spTgt>
+                                        </p:tgtEl>
+                                      </p:cBhvr>
+                                    </p:animEffect>
+                                  </p:childTnLst>
+                                </p:cTn>
+                              </p:par>
+                            </p:childTnLst>
+                          </p:cTn>
+                        </p:par>
+                      </p:childTnLst>
+                    </p:cTn>
+                  </p:par>
+                </p:childTnLst>
+              </p:cTn>
+              <p:prevCondLst>
+                <p:cond evt="onPrev" delay="0">
+                  <p:tgtEl>
+                    <p:sldTgt/>
+                  </p:tgtEl>
+                </p:cond>
+              </p:prevCondLst>
+              <p:nextCondLst>
+                <p:cond evt="onNext" delay="0">
+                  <p:tgtEl>
+                    <p:sldTgt/>
+                  </p:tgtEl>
+                </p:cond>
+              </p:nextCondLst>
+            </p:seq>
+          </p:childTnLst>
+        </p:cTn>
       </p:par>
     </p:tnLst>
   </p:timing>
@@ -5560,8 +5888,8 @@
         </p:nvSpPr>
         <p:spPr>
           <a:xfrm>
-            <a:off x="152400" y="1143000"/>
-            <a:ext cx="8991600" cy="3886200"/>
+            <a:off x="152400" y="1295400"/>
+            <a:ext cx="8915400" cy="4191000"/>
           </a:xfrm>
         </p:spPr>
         <p:txBody>
@@ -5576,19 +5904,11 @@
               <a:buNone/>
             </a:pPr>
             <a:r>
-              <a:rPr lang="en-US" sz="4400" dirty="0"/>
-              <a:t>If </a:t>
-            </a:r>
-            <a:r>
-              <a:rPr lang="en-US" sz="4400" dirty="0" smtClean="0"/>
+              <a:rPr lang="en-US" sz="6000" dirty="0" smtClean="0"/>
               <a:t>deposit </a:t>
             </a:r>
             <a:r>
-              <a:rPr lang="en-US" sz="4400" dirty="0"/>
-              <a:t>your </a:t>
-            </a:r>
-            <a:r>
-              <a:rPr lang="en-US" sz="4400" dirty="0">
+              <a:rPr lang="en-US" sz="6000" dirty="0" smtClean="0">
                 <a:solidFill>
                   <a:srgbClr val="3333FF"/>
                 </a:solidFill>
@@ -5596,7 +5916,7 @@
               <a:t>$</a:t>
             </a:r>
             <a:r>
-              <a:rPr lang="en-US" sz="4400" dirty="0">
+              <a:rPr lang="en-US" sz="6000" dirty="0">
                 <a:solidFill>
                   <a:srgbClr val="FF00FF"/>
                 </a:solidFill>
@@ -5604,9 +5924,18 @@
               <a:t>X</a:t>
             </a:r>
             <a:r>
-              <a:rPr lang="en-US" sz="4400" dirty="0"/>
-              <a:t> now,</a:t>
-            </a:r>
+              <a:rPr lang="en-US" sz="6000" dirty="0"/>
+              <a:t> </a:t>
+            </a:r>
+            <a:r>
+              <a:rPr lang="en-US" sz="6000" dirty="0" smtClean="0"/>
+              <a:t>now to </a:t>
+            </a:r>
+            <a:r>
+              <a:rPr lang="en-US" sz="6000" dirty="0"/>
+              <a:t>have </a:t>
+            </a:r>
+            <a:endParaRPr lang="en-US" sz="6000" dirty="0" smtClean="0"/>
           </a:p>
           <a:p>
             <a:pPr>
@@ -5617,15 +5946,7 @@
               <a:buNone/>
             </a:pPr>
             <a:r>
-              <a:rPr lang="en-US" sz="4400" dirty="0" smtClean="0"/>
-              <a:t>will </a:t>
-            </a:r>
-            <a:r>
-              <a:rPr lang="en-US" sz="4400" dirty="0"/>
-              <a:t>have </a:t>
-            </a:r>
-            <a:r>
-              <a:rPr lang="en-US" sz="4400" dirty="0">
+              <a:rPr lang="en-US" sz="6000" dirty="0" smtClean="0">
                 <a:solidFill>
                   <a:srgbClr val="3333FF"/>
                 </a:solidFill>
@@ -5633,7 +5954,7 @@
               <a:t>$</a:t>
             </a:r>
             <a:r>
-              <a:rPr lang="en-US" sz="4400" dirty="0" err="1" smtClean="0">
+              <a:rPr lang="en-US" sz="6000" dirty="0" err="1" smtClean="0">
                 <a:solidFill>
                   <a:srgbClr val="3333FF"/>
                 </a:solidFill>
@@ -5641,7 +5962,7 @@
               <a:t>b</a:t>
             </a:r>
             <a:r>
-              <a:rPr lang="en-US" sz="4400" b="1" dirty="0" err="1" smtClean="0">
+              <a:rPr lang="en-US" sz="6000" b="1" dirty="0" err="1" smtClean="0">
                 <a:solidFill>
                   <a:srgbClr val="3333FF"/>
                 </a:solidFill>
@@ -5650,7 +5971,7 @@
               <a:t>⋅</a:t>
             </a:r>
             <a:r>
-              <a:rPr lang="en-US" sz="4400" dirty="0" err="1" smtClean="0">
+              <a:rPr lang="en-US" sz="6000" dirty="0" err="1" smtClean="0">
                 <a:solidFill>
                   <a:srgbClr val="FF00FF"/>
                 </a:solidFill>
@@ -5658,7 +5979,7 @@
               <a:t>X</a:t>
             </a:r>
             <a:r>
-              <a:rPr lang="en-US" sz="4400" dirty="0" smtClean="0">
+              <a:rPr lang="en-US" sz="6000" dirty="0" smtClean="0">
                 <a:solidFill>
                   <a:srgbClr val="FF00FF"/>
                 </a:solidFill>
@@ -5666,7 +5987,7 @@
               <a:t> </a:t>
             </a:r>
             <a:r>
-              <a:rPr lang="en-US" sz="4400" dirty="0" smtClean="0">
+              <a:rPr lang="en-US" sz="6000" dirty="0" smtClean="0">
                 <a:solidFill>
                   <a:srgbClr val="3333FF"/>
                 </a:solidFill>
@@ -5674,7 +5995,7 @@
               <a:t>= 1.06</a:t>
             </a:r>
             <a:r>
-              <a:rPr lang="en-US" sz="4400" b="1" dirty="0">
+              <a:rPr lang="en-US" sz="6000" b="1" dirty="0">
                 <a:solidFill>
                   <a:srgbClr val="3333FF"/>
                 </a:solidFill>
@@ -5683,7 +6004,7 @@
               <a:t>⋅</a:t>
             </a:r>
             <a:r>
-              <a:rPr lang="en-US" sz="4400" dirty="0">
+              <a:rPr lang="en-US" sz="6000" dirty="0">
                 <a:solidFill>
                   <a:srgbClr val="FF00FF"/>
                 </a:solidFill>
@@ -5691,15 +6012,15 @@
               <a:t>X</a:t>
             </a:r>
             <a:r>
-              <a:rPr lang="en-US" sz="4400" dirty="0" smtClean="0"/>
+              <a:rPr lang="en-US" sz="6000" dirty="0" smtClean="0"/>
               <a:t> </a:t>
             </a:r>
             <a:r>
-              <a:rPr lang="en-US" sz="4400" dirty="0"/>
+              <a:rPr lang="en-US" sz="6000" dirty="0"/>
               <a:t>in </a:t>
             </a:r>
             <a:r>
-              <a:rPr lang="en-US" sz="4400" dirty="0">
+              <a:rPr lang="en-US" sz="6000" dirty="0">
                 <a:solidFill>
                   <a:srgbClr val="3333FF"/>
                 </a:solidFill>
@@ -5707,12 +6028,12 @@
               <a:t>1</a:t>
             </a:r>
             <a:r>
-              <a:rPr lang="en-US" sz="4400" dirty="0"/>
-              <a:t> year</a:t>
-            </a:r>
-            <a:r>
-              <a:rPr lang="en-US" sz="4400" dirty="0" smtClean="0"/>
-              <a:t>.</a:t>
+              <a:rPr lang="en-US" sz="6000" dirty="0"/>
+              <a:t> </a:t>
+            </a:r>
+            <a:r>
+              <a:rPr lang="en-US" sz="6000" dirty="0" smtClean="0"/>
+              <a:t>year.</a:t>
             </a:r>
           </a:p>
           <a:p>
@@ -5724,28 +6045,15 @@
               <a:buNone/>
             </a:pPr>
             <a:r>
-              <a:rPr lang="en-US" sz="4400" dirty="0" smtClean="0"/>
-              <a:t>So if deposit</a:t>
-            </a:r>
-          </a:p>
-          <a:p>
-            <a:pPr algn="ctr">
-              <a:lnSpc>
-                <a:spcPct val="90000"/>
-              </a:lnSpc>
-              <a:buFontTx/>
-              <a:buNone/>
-            </a:pPr>
-            <a:r>
-              <a:rPr lang="en-US" sz="4400" dirty="0" smtClean="0">
+              <a:rPr lang="en-US" sz="6000" dirty="0" smtClean="0">
                 <a:solidFill>
                   <a:srgbClr val="FF00FF"/>
                 </a:solidFill>
               </a:rPr>
-              <a:t>X </a:t>
-            </a:r>
-            <a:r>
-              <a:rPr lang="en-US" sz="4400" b="1" dirty="0" smtClean="0">
+              <a:t> X </a:t>
+            </a:r>
+            <a:r>
+              <a:rPr lang="en-US" sz="6000" b="1" dirty="0" smtClean="0">
                 <a:solidFill>
                   <a:srgbClr val="3333FF"/>
                 </a:solidFill>
@@ -5755,7 +6063,7 @@
               <a:t>=</a:t>
             </a:r>
             <a:r>
-              <a:rPr lang="en-US" sz="4400" dirty="0" smtClean="0">
+              <a:rPr lang="en-US" sz="6000" dirty="0" smtClean="0">
                 <a:solidFill>
                   <a:srgbClr val="3333FF"/>
                 </a:solidFill>
@@ -5763,43 +6071,30 @@
               <a:t> 100/1.06 </a:t>
             </a:r>
             <a:r>
-              <a:rPr lang="en-US" sz="4400" b="1" dirty="0" smtClean="0">
+              <a:rPr lang="en-US" sz="6000" b="1" dirty="0" smtClean="0">
                 <a:solidFill>
                   <a:srgbClr val="3333FF"/>
                 </a:solidFill>
                 <a:cs typeface="Times New Roman" charset="0"/>
               </a:rPr>
-              <a:t>≈</a:t>
-            </a:r>
-            <a:r>
-              <a:rPr lang="en-US" sz="4400" dirty="0" smtClean="0">
+              <a:t>≈ </a:t>
+            </a:r>
+            <a:r>
+              <a:rPr lang="en-US" sz="6000" dirty="0" smtClean="0">
                 <a:solidFill>
                   <a:srgbClr val="3333FF"/>
                 </a:solidFill>
               </a:rPr>
-              <a:t> </a:t>
-            </a:r>
-            <a:r>
-              <a:rPr lang="en-US" sz="4400" dirty="0">
-                <a:solidFill>
-                  <a:srgbClr val="3333FF"/>
-                </a:solidFill>
-              </a:rPr>
               <a:t>$</a:t>
             </a:r>
             <a:r>
-              <a:rPr lang="en-US" sz="4400" dirty="0">
+              <a:rPr lang="en-US" sz="6000" dirty="0" smtClean="0">
                 <a:solidFill>
                   <a:srgbClr val="FF00FF"/>
                 </a:solidFill>
               </a:rPr>
-              <a:t>97.09</a:t>
-            </a:r>
-            <a:endParaRPr lang="en-US" sz="4400" dirty="0" smtClean="0">
-              <a:solidFill>
-                <a:srgbClr val="3333FF"/>
-              </a:solidFill>
-            </a:endParaRPr>
+              <a:t>97.09 </a:t>
+            </a:r>
           </a:p>
           <a:p>
             <a:pPr>
@@ -5810,11 +6105,11 @@
               <a:buNone/>
             </a:pPr>
             <a:r>
-              <a:rPr lang="en-US" sz="4400" dirty="0" smtClean="0"/>
-              <a:t>now, will have</a:t>
-            </a:r>
-            <a:r>
-              <a:rPr lang="en-US" sz="4400" dirty="0" smtClean="0">
+              <a:rPr lang="en-US" sz="6000" dirty="0" smtClean="0"/>
+              <a:t>gives</a:t>
+            </a:r>
+            <a:r>
+              <a:rPr lang="en-US" sz="6000" dirty="0" smtClean="0">
                 <a:solidFill>
                   <a:srgbClr val="3333FF"/>
                 </a:solidFill>
@@ -5822,11 +6117,11 @@
               <a:t> $100</a:t>
             </a:r>
             <a:r>
-              <a:rPr lang="en-US" sz="4400" dirty="0"/>
+              <a:rPr lang="en-US" sz="6000" dirty="0"/>
               <a:t> in </a:t>
             </a:r>
             <a:r>
-              <a:rPr lang="en-US" sz="4400" dirty="0">
+              <a:rPr lang="en-US" sz="6000" dirty="0">
                 <a:solidFill>
                   <a:srgbClr val="3333FF"/>
                 </a:solidFill>
@@ -5834,37 +6129,13 @@
               <a:t>1</a:t>
             </a:r>
             <a:r>
-              <a:rPr lang="en-US" sz="4400" dirty="0"/>
+              <a:rPr lang="en-US" sz="6000" dirty="0"/>
               <a:t> </a:t>
             </a:r>
             <a:r>
-              <a:rPr lang="en-US" sz="4400" dirty="0" smtClean="0"/>
+              <a:rPr lang="en-US" sz="6000" dirty="0" smtClean="0"/>
               <a:t>year.</a:t>
             </a:r>
-          </a:p>
-          <a:p>
-            <a:pPr>
-              <a:lnSpc>
-                <a:spcPct val="90000"/>
-              </a:lnSpc>
-              <a:buFontTx/>
-              <a:buNone/>
-            </a:pPr>
-            <a:endParaRPr lang="en-US" sz="4400" dirty="0" smtClean="0">
-              <a:solidFill>
-                <a:srgbClr val="3333FF"/>
-              </a:solidFill>
-            </a:endParaRPr>
-          </a:p>
-          <a:p>
-            <a:pPr>
-              <a:lnSpc>
-                <a:spcPct val="90000"/>
-              </a:lnSpc>
-              <a:buFontTx/>
-              <a:buNone/>
-            </a:pPr>
-            <a:endParaRPr lang="en-US" sz="4000" dirty="0"/>
           </a:p>
         </p:txBody>
       </p:sp>
@@ -5937,7 +6208,204 @@
   <p:timing>
     <p:tnLst>
       <p:par>
-        <p:cTn xmlns:p14="http://schemas.microsoft.com/office/powerpoint/2010/main" id="1" dur="indefinite" restart="never" nodeType="tmRoot"/>
+        <p:cTn xmlns:p14="http://schemas.microsoft.com/office/powerpoint/2010/main" id="1" dur="indefinite" restart="never" nodeType="tmRoot">
+          <p:childTnLst>
+            <p:seq concurrent="1" nextAc="seek">
+              <p:cTn id="2" dur="indefinite" nodeType="mainSeq">
+                <p:childTnLst>
+                  <p:par>
+                    <p:cTn id="3" fill="hold">
+                      <p:stCondLst>
+                        <p:cond delay="indefinite"/>
+                      </p:stCondLst>
+                      <p:childTnLst>
+                        <p:par>
+                          <p:cTn id="4" fill="hold">
+                            <p:stCondLst>
+                              <p:cond delay="0"/>
+                            </p:stCondLst>
+                            <p:childTnLst>
+                              <p:par>
+                                <p:cTn id="5" presetID="22" presetClass="entr" presetSubtype="8" fill="hold" nodeType="clickEffect">
+                                  <p:stCondLst>
+                                    <p:cond delay="0"/>
+                                  </p:stCondLst>
+                                  <p:childTnLst>
+                                    <p:set>
+                                      <p:cBhvr>
+                                        <p:cTn id="6" dur="1" fill="hold">
+                                          <p:stCondLst>
+                                            <p:cond delay="0"/>
+                                          </p:stCondLst>
+                                        </p:cTn>
+                                        <p:tgtEl>
+                                          <p:spTgt spid="100355">
+                                            <p:txEl>
+                                              <p:pRg st="1" end="1"/>
+                                            </p:txEl>
+                                          </p:spTgt>
+                                        </p:tgtEl>
+                                        <p:attrNameLst>
+                                          <p:attrName>style.visibility</p:attrName>
+                                        </p:attrNameLst>
+                                      </p:cBhvr>
+                                      <p:to>
+                                        <p:strVal val="visible"/>
+                                      </p:to>
+                                    </p:set>
+                                    <p:animEffect transition="in" filter="wipe(left)">
+                                      <p:cBhvr>
+                                        <p:cTn id="7" dur="1000"/>
+                                        <p:tgtEl>
+                                          <p:spTgt spid="100355">
+                                            <p:txEl>
+                                              <p:pRg st="1" end="1"/>
+                                            </p:txEl>
+                                          </p:spTgt>
+                                        </p:tgtEl>
+                                      </p:cBhvr>
+                                    </p:animEffect>
+                                  </p:childTnLst>
+                                </p:cTn>
+                              </p:par>
+                            </p:childTnLst>
+                          </p:cTn>
+                        </p:par>
+                      </p:childTnLst>
+                    </p:cTn>
+                  </p:par>
+                  <p:par>
+                    <p:cTn id="8" fill="hold">
+                      <p:stCondLst>
+                        <p:cond delay="indefinite"/>
+                      </p:stCondLst>
+                      <p:childTnLst>
+                        <p:par>
+                          <p:cTn id="9" fill="hold">
+                            <p:stCondLst>
+                              <p:cond delay="0"/>
+                            </p:stCondLst>
+                            <p:childTnLst>
+                              <p:par>
+                                <p:cTn id="10" presetID="22" presetClass="entr" presetSubtype="8" fill="hold" nodeType="clickEffect">
+                                  <p:stCondLst>
+                                    <p:cond delay="0"/>
+                                  </p:stCondLst>
+                                  <p:childTnLst>
+                                    <p:set>
+                                      <p:cBhvr>
+                                        <p:cTn id="11" dur="1" fill="hold">
+                                          <p:stCondLst>
+                                            <p:cond delay="0"/>
+                                          </p:stCondLst>
+                                        </p:cTn>
+                                        <p:tgtEl>
+                                          <p:spTgt spid="100355">
+                                            <p:txEl>
+                                              <p:pRg st="2" end="2"/>
+                                            </p:txEl>
+                                          </p:spTgt>
+                                        </p:tgtEl>
+                                        <p:attrNameLst>
+                                          <p:attrName>style.visibility</p:attrName>
+                                        </p:attrNameLst>
+                                      </p:cBhvr>
+                                      <p:to>
+                                        <p:strVal val="visible"/>
+                                      </p:to>
+                                    </p:set>
+                                    <p:animEffect transition="in" filter="wipe(left)">
+                                      <p:cBhvr>
+                                        <p:cTn id="12" dur="1000"/>
+                                        <p:tgtEl>
+                                          <p:spTgt spid="100355">
+                                            <p:txEl>
+                                              <p:pRg st="2" end="2"/>
+                                            </p:txEl>
+                                          </p:spTgt>
+                                        </p:tgtEl>
+                                      </p:cBhvr>
+                                    </p:animEffect>
+                                  </p:childTnLst>
+                                </p:cTn>
+                              </p:par>
+                            </p:childTnLst>
+                          </p:cTn>
+                        </p:par>
+                        <p:par>
+                          <p:cTn id="13" fill="hold">
+                            <p:stCondLst>
+                              <p:cond delay="1000"/>
+                            </p:stCondLst>
+                            <p:childTnLst>
+                              <p:par>
+                                <p:cTn id="14" presetID="9" presetClass="entr" presetSubtype="0" fill="hold" nodeType="afterEffect">
+                                  <p:stCondLst>
+                                    <p:cond delay="0"/>
+                                  </p:stCondLst>
+                                  <p:childTnLst>
+                                    <p:set>
+                                      <p:cBhvr>
+                                        <p:cTn id="15" dur="1" fill="hold">
+                                          <p:stCondLst>
+                                            <p:cond delay="0"/>
+                                          </p:stCondLst>
+                                        </p:cTn>
+                                        <p:tgtEl>
+                                          <p:spTgt spid="100355">
+                                            <p:txEl>
+                                              <p:pRg st="3" end="3"/>
+                                            </p:txEl>
+                                          </p:spTgt>
+                                        </p:tgtEl>
+                                        <p:attrNameLst>
+                                          <p:attrName>style.visibility</p:attrName>
+                                        </p:attrNameLst>
+                                      </p:cBhvr>
+                                      <p:to>
+                                        <p:strVal val="visible"/>
+                                      </p:to>
+                                    </p:set>
+                                    <p:animEffect transition="in" filter="dissolve">
+                                      <p:cBhvr>
+                                        <p:cTn id="16" dur="1000"/>
+                                        <p:tgtEl>
+                                          <p:spTgt spid="100355">
+                                            <p:txEl>
+                                              <p:pRg st="3" end="3"/>
+                                            </p:txEl>
+                                          </p:spTgt>
+                                        </p:tgtEl>
+                                      </p:cBhvr>
+                                    </p:animEffect>
+                                  </p:childTnLst>
+                                </p:cTn>
+                              </p:par>
+                            </p:childTnLst>
+                          </p:cTn>
+                        </p:par>
+                      </p:childTnLst>
+                    </p:cTn>
+                  </p:par>
+                </p:childTnLst>
+              </p:cTn>
+              <p:prevCondLst>
+                <p:cond evt="onPrev" delay="0">
+                  <p:tgtEl>
+                    <p:sldTgt/>
+                  </p:tgtEl>
+                </p:cond>
+              </p:prevCondLst>
+              <p:nextCondLst>
+                <p:cond evt="onNext" delay="0">
+                  <p:tgtEl>
+                    <p:sldTgt/>
+                  </p:tgtEl>
+                </p:cond>
+              </p:nextCondLst>
+            </p:seq>
+          </p:childTnLst>
+        </p:cTn>
       </p:par>
     </p:tnLst>
   </p:timing>
@@ -5973,7 +6441,7 @@
         </p:nvSpPr>
         <p:spPr>
           <a:xfrm>
-            <a:off x="533400" y="1752600"/>
+            <a:off x="533400" y="1600200"/>
             <a:ext cx="8077200" cy="3733800"/>
           </a:xfrm>
         </p:spPr>
@@ -5989,32 +6457,28 @@
               <a:buNone/>
             </a:pPr>
             <a:r>
+              <a:rPr lang="en-US" sz="6600" dirty="0" smtClean="0">
+                <a:solidFill>
+                  <a:srgbClr val="9D007C"/>
+                </a:solidFill>
+              </a:rPr>
+              <a:t>Today’s </a:t>
+            </a:r>
+            <a:r>
+              <a:rPr lang="en-US" sz="6600" dirty="0">
+                <a:solidFill>
+                  <a:srgbClr val="9D007C"/>
+                </a:solidFill>
+              </a:rPr>
+              <a:t>value</a:t>
+            </a:r>
+            <a:r>
+              <a:rPr lang="en-US" sz="6600" dirty="0"/>
+              <a:t> </a:t>
+            </a:r>
+            <a:r>
               <a:rPr lang="en-US" sz="6600" dirty="0" smtClean="0"/>
-              <a:t>The </a:t>
-            </a:r>
-            <a:r>
-              <a:rPr lang="en-US" sz="6600" dirty="0" smtClean="0">
-                <a:solidFill>
-                  <a:srgbClr val="9D007C"/>
-                </a:solidFill>
-              </a:rPr>
-              <a:t>value</a:t>
-            </a:r>
-            <a:r>
-              <a:rPr lang="en-US" sz="6600" dirty="0" smtClean="0"/>
-              <a:t> </a:t>
-            </a:r>
-            <a:r>
-              <a:rPr lang="en-US" sz="6600" dirty="0" smtClean="0">
-                <a:solidFill>
-                  <a:srgbClr val="9D007C"/>
-                </a:solidFill>
-              </a:rPr>
-              <a:t>today</a:t>
-            </a:r>
-            <a:r>
-              <a:rPr lang="en-US" sz="6600" dirty="0" smtClean="0"/>
-              <a:t> of</a:t>
+              <a:t>of</a:t>
             </a:r>
           </a:p>
           <a:p>
@@ -6073,20 +6537,19 @@
             <a:r>
               <a:rPr lang="en-US" sz="6600" dirty="0">
                 <a:solidFill>
+                  <a:srgbClr val="3333FF"/>
+                </a:solidFill>
+              </a:rPr>
+              <a:t>$</a:t>
+            </a:r>
+            <a:r>
+              <a:rPr lang="en-US" sz="6600" dirty="0" smtClean="0">
+                <a:solidFill>
                   <a:srgbClr val="FF00FF"/>
                 </a:solidFill>
               </a:rPr>
-              <a:t>$</a:t>
-            </a:r>
-            <a:r>
-              <a:rPr lang="en-US" sz="6600" dirty="0" smtClean="0">
-                <a:solidFill>
-                  <a:srgbClr val="3366FF"/>
-                </a:solidFill>
-              </a:rPr>
               <a:t>97.09</a:t>
             </a:r>
-            <a:endParaRPr lang="en-US" sz="6600" dirty="0" smtClean="0"/>
           </a:p>
           <a:p>
             <a:pPr>
@@ -6173,14 +6636,14 @@
   <p:clrMapOvr>
     <a:masterClrMapping/>
   </p:clrMapOvr>
-  <mc:AlternateContent xmlns:mc="http://schemas.openxmlformats.org/markup-compatibility/2006" xmlns:p14="http://schemas.microsoft.com/office/powerpoint/2010/main">
-    <mc:Choice Requires="p14">
-      <p:transition spd="med" p14:dur="700">
+  <mc:AlternateContent xmlns:mc="http://schemas.openxmlformats.org/markup-compatibility/2006">
+    <mc:Choice xmlns:p14="http://schemas.microsoft.com/office/powerpoint/2010/main" Requires="p14">
+      <p:transition spd="slow" p14:dur="1200">
         <p:fade/>
       </p:transition>
     </mc:Choice>
-    <mc:Fallback xmlns="">
-      <p:transition xmlns:p14="http://schemas.microsoft.com/office/powerpoint/2010/main" spd="med">
+    <mc:Fallback>
+      <p:transition xmlns:p14="http://schemas.microsoft.com/office/powerpoint/2010/main" spd="slow">
         <p:fade/>
       </p:transition>
     </mc:Fallback>
@@ -6196,7 +6659,7 @@
 </file>
 
 <file path=ppt/slides/slide15.xml><?xml version="1.0" encoding="utf-8"?>
-<p:sld xmlns:a="http://schemas.openxmlformats.org/drawingml/2006/main" xmlns:r="http://schemas.openxmlformats.org/officeDocument/2006/relationships" xmlns:p="http://schemas.openxmlformats.org/presentationml/2006/main" show="0">
+<p:sld xmlns:a="http://schemas.openxmlformats.org/drawingml/2006/main" xmlns:r="http://schemas.openxmlformats.org/officeDocument/2006/relationships" xmlns:p="http://schemas.openxmlformats.org/presentationml/2006/main">
   <p:cSld>
     <p:spTree>
       <p:nvGrpSpPr>
@@ -6224,8 +6687,8 @@
         </p:nvSpPr>
         <p:spPr>
           <a:xfrm>
-            <a:off x="304800" y="1143000"/>
-            <a:ext cx="8458200" cy="4114800"/>
+            <a:off x="304800" y="1066800"/>
+            <a:ext cx="8534400" cy="5257800"/>
           </a:xfrm>
         </p:spPr>
         <p:txBody>
@@ -6240,11 +6703,11 @@
               <a:buNone/>
             </a:pPr>
             <a:r>
-              <a:rPr lang="en-US" sz="4000" dirty="0"/>
-              <a:t>If I deposit your </a:t>
-            </a:r>
-            <a:r>
-              <a:rPr lang="en-US" sz="4000" dirty="0">
+              <a:rPr lang="en-US" sz="6000" dirty="0" smtClean="0"/>
+              <a:t>deposit </a:t>
+            </a:r>
+            <a:r>
+              <a:rPr lang="en-US" sz="6000" dirty="0">
                 <a:solidFill>
                   <a:srgbClr val="3333FF"/>
                 </a:solidFill>
@@ -6252,7 +6715,7 @@
               <a:t>$</a:t>
             </a:r>
             <a:r>
-              <a:rPr lang="en-US" sz="4000" dirty="0">
+              <a:rPr lang="en-US" sz="6000" dirty="0">
                 <a:solidFill>
                   <a:srgbClr val="FF00FF"/>
                 </a:solidFill>
@@ -6260,9 +6723,18 @@
               <a:t>X</a:t>
             </a:r>
             <a:r>
-              <a:rPr lang="en-US" sz="4000" dirty="0"/>
-              <a:t> now,</a:t>
-            </a:r>
+              <a:rPr lang="en-US" sz="6000" dirty="0"/>
+              <a:t> now</a:t>
+            </a:r>
+            <a:r>
+              <a:rPr lang="en-US" sz="6000" dirty="0" smtClean="0"/>
+              <a:t>, </a:t>
+            </a:r>
+            <a:r>
+              <a:rPr lang="en-US" sz="6000" dirty="0" smtClean="0"/>
+              <a:t>get</a:t>
+            </a:r>
+            <a:endParaRPr lang="en-US" sz="6000" dirty="0" smtClean="0"/>
           </a:p>
           <a:p>
             <a:pPr>
@@ -6273,11 +6745,7 @@
               <a:buNone/>
             </a:pPr>
             <a:r>
-              <a:rPr lang="en-US" sz="4000" dirty="0"/>
-              <a:t>I will have </a:t>
-            </a:r>
-            <a:r>
-              <a:rPr lang="en-US" sz="4000" dirty="0">
+              <a:rPr lang="en-US" sz="6000" dirty="0" smtClean="0">
                 <a:solidFill>
                   <a:srgbClr val="3333FF"/>
                 </a:solidFill>
@@ -6285,7 +6753,7 @@
               <a:t>$</a:t>
             </a:r>
             <a:r>
-              <a:rPr lang="en-US" sz="4000" dirty="0" err="1" smtClean="0">
+              <a:rPr lang="en-US" sz="6000" dirty="0" err="1" smtClean="0">
                 <a:solidFill>
                   <a:srgbClr val="3333FF"/>
                 </a:solidFill>
@@ -6293,16 +6761,24 @@
               <a:t>b</a:t>
             </a:r>
             <a:r>
-              <a:rPr lang="en-US" sz="4000" b="1" dirty="0" err="1" smtClean="0">
+              <a:rPr lang="en-US" sz="6000" baseline="30000" dirty="0" err="1" smtClean="0">
                 <a:solidFill>
                   <a:srgbClr val="3333FF"/>
                 </a:solidFill>
+              </a:rPr>
+              <a:t>n</a:t>
+            </a:r>
+            <a:r>
+              <a:rPr lang="en-US" sz="6000" b="1" dirty="0" err="1" smtClean="0">
+                <a:solidFill>
+                  <a:srgbClr val="3333FF"/>
+                </a:solidFill>
                 <a:sym typeface="Symbol" charset="0"/>
               </a:rPr>
               <a:t>⋅</a:t>
             </a:r>
             <a:r>
-              <a:rPr lang="en-US" sz="4000" dirty="0" err="1" smtClean="0">
+              <a:rPr lang="en-US" sz="6000" dirty="0" err="1" smtClean="0">
                 <a:solidFill>
                   <a:srgbClr val="FF00FF"/>
                 </a:solidFill>
@@ -6310,12 +6786,24 @@
               <a:t>X</a:t>
             </a:r>
             <a:r>
-              <a:rPr lang="en-US" sz="4000" dirty="0" smtClean="0"/>
+              <a:rPr lang="en-US" sz="6000" dirty="0" smtClean="0"/>
               <a:t> </a:t>
             </a:r>
             <a:r>
-              <a:rPr lang="en-US" sz="4000" dirty="0"/>
-              <a:t>in 1 year.</a:t>
+              <a:rPr lang="en-US" sz="6000" dirty="0"/>
+              <a:t>in </a:t>
+            </a:r>
+            <a:r>
+              <a:rPr lang="en-US" sz="6000" dirty="0" smtClean="0">
+                <a:solidFill>
+                  <a:srgbClr val="3333FF"/>
+                </a:solidFill>
+              </a:rPr>
+              <a:t>n</a:t>
+            </a:r>
+            <a:r>
+              <a:rPr lang="en-US" sz="6000" dirty="0" smtClean="0"/>
+              <a:t> years.</a:t>
             </a:r>
           </a:p>
           <a:p>
@@ -6327,74 +6815,68 @@
               <a:buNone/>
             </a:pPr>
             <a:r>
-              <a:rPr lang="en-US" sz="4000" dirty="0"/>
-              <a:t>So</a:t>
-            </a:r>
-            <a:r>
-              <a:rPr lang="en-US" sz="4000" dirty="0">
-                <a:solidFill>
-                  <a:srgbClr val="006600"/>
-                </a:solidFill>
-              </a:rPr>
+              <a:rPr lang="en-US" sz="5400" dirty="0" smtClean="0">
+                <a:solidFill>
+                  <a:srgbClr val="9D007C"/>
+                </a:solidFill>
+              </a:rPr>
+              <a:t>Today’s</a:t>
+            </a:r>
+            <a:r>
+              <a:rPr lang="en-US" sz="5400" dirty="0" smtClean="0"/>
               <a:t> </a:t>
             </a:r>
             <a:r>
-              <a:rPr lang="en-US" sz="4000" dirty="0"/>
-              <a:t>I</a:t>
-            </a:r>
-            <a:r>
-              <a:rPr lang="en-US" sz="4000" dirty="0">
-                <a:solidFill>
-                  <a:srgbClr val="006600"/>
-                </a:solidFill>
-              </a:rPr>
+              <a:rPr lang="en-US" sz="5400" dirty="0">
+                <a:solidFill>
+                  <a:srgbClr val="9D007C"/>
+                </a:solidFill>
+              </a:rPr>
+              <a:t>value</a:t>
+            </a:r>
+            <a:r>
+              <a:rPr lang="en-US" sz="5400" dirty="0"/>
               <a:t> </a:t>
             </a:r>
             <a:r>
-              <a:rPr lang="en-US" sz="4000" dirty="0">
+              <a:rPr lang="en-US" sz="5400" dirty="0" smtClean="0"/>
+              <a:t>of </a:t>
+            </a:r>
+            <a:r>
+              <a:rPr lang="en-US" sz="5400" dirty="0">
                 <a:solidFill>
                   <a:srgbClr val="3333FF"/>
                 </a:solidFill>
               </a:rPr>
-              <a:t>won</a:t>
-            </a:r>
-            <a:r>
-              <a:rPr lang="ja-JP" altLang="en-US" sz="4000" dirty="0">
+              <a:t>$</a:t>
+            </a:r>
+            <a:r>
+              <a:rPr lang="en-US" sz="5400" dirty="0" smtClean="0">
+                <a:solidFill>
+                  <a:srgbClr val="FF00FF"/>
+                </a:solidFill>
+              </a:rPr>
+              <a:t>X </a:t>
+            </a:r>
+            <a:r>
+              <a:rPr lang="en-US" sz="5400" dirty="0" smtClean="0"/>
+              <a:t>in </a:t>
+            </a:r>
+            <a:r>
+              <a:rPr lang="en-US" sz="5400" dirty="0" smtClean="0">
                 <a:solidFill>
                   <a:srgbClr val="3333FF"/>
                 </a:solidFill>
-                <a:latin typeface="Arial"/>
-              </a:rPr>
-              <a:t>’</a:t>
-            </a:r>
-            <a:r>
-              <a:rPr lang="en-US" sz="4000" dirty="0">
-                <a:solidFill>
-                  <a:srgbClr val="3333FF"/>
-                </a:solidFill>
-              </a:rPr>
-              <a:t>t lose money</a:t>
-            </a:r>
-            <a:r>
-              <a:rPr lang="en-US" sz="4000" dirty="0">
-                <a:solidFill>
-                  <a:srgbClr val="00A200"/>
-                </a:solidFill>
-              </a:rPr>
+              </a:rPr>
+              <a:t>n</a:t>
+            </a:r>
+            <a:r>
+              <a:rPr lang="en-US" sz="5400" dirty="0" smtClean="0"/>
               <a:t> </a:t>
             </a:r>
-            <a:r>
-              <a:rPr lang="en-US" sz="4000" dirty="0"/>
-              <a:t>as long </a:t>
-            </a:r>
-            <a:r>
-              <a:rPr lang="en-US" sz="4000" dirty="0" smtClean="0"/>
-              <a:t>as</a:t>
-            </a:r>
-            <a:endParaRPr lang="en-US" sz="4000" dirty="0"/>
-          </a:p>
-          <a:p>
-            <a:pPr algn="ctr">
+          </a:p>
+          <a:p>
+            <a:pPr>
               <a:lnSpc>
                 <a:spcPct val="90000"/>
               </a:lnSpc>
@@ -6402,89 +6884,39 @@
               <a:buNone/>
             </a:pPr>
             <a:r>
-              <a:rPr lang="en-US" sz="4800" dirty="0" err="1" smtClean="0">
-                <a:solidFill>
-                  <a:srgbClr val="3333FF"/>
-                </a:solidFill>
-              </a:rPr>
-              <a:t>b</a:t>
-            </a:r>
-            <a:r>
-              <a:rPr lang="en-US" sz="4800" b="1" dirty="0" err="1" smtClean="0">
-                <a:solidFill>
-                  <a:srgbClr val="3333FF"/>
-                </a:solidFill>
-                <a:sym typeface="Symbol" charset="0"/>
-              </a:rPr>
-              <a:t>⋅</a:t>
-            </a:r>
-            <a:r>
-              <a:rPr lang="en-US" sz="4800" dirty="0" err="1" smtClean="0">
-                <a:solidFill>
-                  <a:srgbClr val="FF00FF"/>
-                </a:solidFill>
-              </a:rPr>
-              <a:t>X</a:t>
-            </a:r>
-            <a:r>
-              <a:rPr lang="en-US" sz="4800" dirty="0" smtClean="0"/>
-              <a:t> </a:t>
-            </a:r>
-            <a:r>
-              <a:rPr lang="en-US" sz="4800" dirty="0" smtClean="0">
-                <a:solidFill>
-                  <a:srgbClr val="3333FF"/>
-                </a:solidFill>
-              </a:rPr>
-              <a:t> </a:t>
-            </a:r>
-            <a:r>
-              <a:rPr lang="en-US" sz="4800" b="1" dirty="0" smtClean="0">
-                <a:solidFill>
-                  <a:srgbClr val="3333FF"/>
-                </a:solidFill>
-                <a:latin typeface="Euclid Symbol" charset="2"/>
-                <a:cs typeface="Euclid Symbol" charset="2"/>
-              </a:rPr>
-              <a:t>≤ </a:t>
-            </a:r>
-            <a:r>
-              <a:rPr lang="en-US" sz="4800" dirty="0" smtClean="0">
-                <a:solidFill>
-                  <a:srgbClr val="3333FF"/>
-                </a:solidFill>
-              </a:rPr>
-              <a:t>100</a:t>
-            </a:r>
-            <a:endParaRPr lang="en-US" sz="4800" dirty="0">
-              <a:solidFill>
-                <a:srgbClr val="3333FF"/>
-              </a:solidFill>
-            </a:endParaRPr>
-          </a:p>
-          <a:p>
-            <a:pPr algn="ctr">
+              <a:rPr lang="en-US" sz="5400" dirty="0" smtClean="0"/>
+              <a:t>years is</a:t>
+            </a:r>
+          </a:p>
+          <a:p>
+            <a:pPr>
               <a:lnSpc>
                 <a:spcPct val="90000"/>
               </a:lnSpc>
               <a:buFontTx/>
               <a:buNone/>
             </a:pPr>
-            <a:r>
-              <a:rPr lang="en-US" sz="4800" dirty="0">
-                <a:solidFill>
-                  <a:srgbClr val="FF00FF"/>
-                </a:solidFill>
-              </a:rPr>
-              <a:t>X</a:t>
-            </a:r>
-            <a:r>
-              <a:rPr lang="en-US" sz="4800" dirty="0">
+            <a:endParaRPr lang="en-US" sz="4000" dirty="0"/>
+          </a:p>
+          <a:p>
+            <a:pPr>
+              <a:lnSpc>
+                <a:spcPct val="90000"/>
+              </a:lnSpc>
+              <a:buFontTx/>
+              <a:buNone/>
+            </a:pPr>
+            <a:r>
+              <a:rPr lang="en-US" sz="4800" dirty="0" smtClean="0"/>
+              <a:t>where </a:t>
+            </a:r>
+            <a:r>
+              <a:rPr lang="en-US" sz="4800" dirty="0" smtClean="0">
                 <a:solidFill>
                   <a:srgbClr val="3333FF"/>
                 </a:solidFill>
               </a:rPr>
-              <a:t> </a:t>
+              <a:t>r ::</a:t>
             </a:r>
             <a:r>
               <a:rPr lang="en-US" sz="4800" b="1" dirty="0" smtClean="0">
@@ -6494,7 +6926,7 @@
                 <a:latin typeface="Euclid Symbol" charset="2"/>
                 <a:cs typeface="Euclid Symbol" charset="2"/>
               </a:rPr>
-              <a:t>≤</a:t>
+              <a:t>=</a:t>
             </a:r>
             <a:r>
               <a:rPr lang="en-US" sz="4800" dirty="0" smtClean="0">
@@ -6502,41 +6934,33 @@
                   <a:srgbClr val="3333FF"/>
                 </a:solidFill>
               </a:rPr>
-              <a:t> </a:t>
-            </a:r>
-            <a:r>
-              <a:rPr lang="en-US" sz="4800" dirty="0">
-                <a:solidFill>
-                  <a:srgbClr val="3333FF"/>
-                </a:solidFill>
-              </a:rPr>
-              <a:t>$100/1.03 </a:t>
-            </a:r>
-            <a:r>
-              <a:rPr lang="en-US" sz="4800" b="1" dirty="0">
-                <a:solidFill>
-                  <a:srgbClr val="3333FF"/>
-                </a:solidFill>
-                <a:cs typeface="Times New Roman" charset="0"/>
-              </a:rPr>
-              <a:t>≈</a:t>
-            </a:r>
-            <a:r>
-              <a:rPr lang="en-US" sz="4800" dirty="0">
-                <a:solidFill>
-                  <a:srgbClr val="3333FF"/>
-                </a:solidFill>
-              </a:rPr>
-              <a:t> $</a:t>
-            </a:r>
-            <a:r>
-              <a:rPr lang="en-US" sz="4800" dirty="0">
-                <a:solidFill>
-                  <a:srgbClr val="FF00FF"/>
-                </a:solidFill>
-              </a:rPr>
-              <a:t>97.09</a:t>
-            </a:r>
+              <a:t> 1/b</a:t>
+            </a:r>
+            <a:endParaRPr lang="en-US" sz="4800" dirty="0">
+              <a:solidFill>
+                <a:srgbClr val="3333FF"/>
+              </a:solidFill>
+            </a:endParaRPr>
+          </a:p>
+          <a:p>
+            <a:pPr>
+              <a:lnSpc>
+                <a:spcPct val="90000"/>
+              </a:lnSpc>
+              <a:buFontTx/>
+              <a:buNone/>
+            </a:pPr>
+            <a:endParaRPr lang="en-US" sz="4000" dirty="0" smtClean="0"/>
+          </a:p>
+          <a:p>
+            <a:pPr>
+              <a:lnSpc>
+                <a:spcPct val="90000"/>
+              </a:lnSpc>
+              <a:buFontTx/>
+              <a:buNone/>
+            </a:pPr>
+            <a:endParaRPr lang="en-US" sz="4000" dirty="0" smtClean="0"/>
           </a:p>
         </p:txBody>
       </p:sp>
@@ -6589,6 +7013,63 @@
           </a:p>
         </p:txBody>
       </p:sp>
+      <p:graphicFrame>
+        <p:nvGraphicFramePr>
+          <p:cNvPr id="2" name="Object 1"/>
+          <p:cNvGraphicFramePr>
+            <a:graphicFrameLocks noChangeAspect="1"/>
+          </p:cNvGraphicFramePr>
+          <p:nvPr>
+            <p:extLst>
+              <p:ext uri="{D42A27DB-BD31-4B8C-83A1-F6EECF244321}">
+                <p14:modId xmlns:p14="http://schemas.microsoft.com/office/powerpoint/2010/main" val="3966483797"/>
+              </p:ext>
+            </p:extLst>
+          </p:nvPr>
+        </p:nvGraphicFramePr>
+        <p:xfrm>
+          <a:off x="5334000" y="3581400"/>
+          <a:ext cx="3200400" cy="2416821"/>
+        </p:xfrm>
+        <a:graphic>
+          <a:graphicData uri="http://schemas.openxmlformats.org/presentationml/2006/ole">
+            <mc:AlternateContent xmlns:mc="http://schemas.openxmlformats.org/markup-compatibility/2006">
+              <mc:Choice xmlns:v="urn:schemas-microsoft-com:vml" Requires="v">
+                <p:oleObj spid="_x0000_s151560" name="Equation" r:id="rId4" imgW="622300" imgH="469900" progId="Equation.DSMT4">
+                  <p:embed/>
+                </p:oleObj>
+              </mc:Choice>
+              <mc:Fallback>
+                <p:oleObj name="Equation" r:id="rId4" imgW="622300" imgH="469900" progId="Equation.DSMT4">
+                  <p:embed/>
+                  <p:pic>
+                    <p:nvPicPr>
+                      <p:cNvPr id="0" name=""/>
+                      <p:cNvPicPr/>
+                      <p:nvPr/>
+                    </p:nvPicPr>
+                    <p:blipFill>
+                      <a:blip r:embed="rId5"/>
+                      <a:stretch>
+                        <a:fillRect/>
+                      </a:stretch>
+                    </p:blipFill>
+                    <p:spPr>
+                      <a:xfrm>
+                        <a:off x="5334000" y="3581400"/>
+                        <a:ext cx="3200400" cy="2416821"/>
+                      </a:xfrm>
+                      <a:prstGeom prst="rect">
+                        <a:avLst/>
+                      </a:prstGeom>
+                    </p:spPr>
+                  </p:pic>
+                </p:oleObj>
+              </mc:Fallback>
+            </mc:AlternateContent>
+          </a:graphicData>
+        </a:graphic>
+      </p:graphicFrame>
     </p:spTree>
     <p:extLst>
       <p:ext uri="{BB962C8B-B14F-4D97-AF65-F5344CB8AC3E}">
@@ -6601,13 +7082,13 @@
   </p:clrMapOvr>
   <mc:AlternateContent xmlns:mc="http://schemas.openxmlformats.org/markup-compatibility/2006">
     <mc:Choice xmlns:p14="http://schemas.microsoft.com/office/powerpoint/2010/main" Requires="p14">
-      <p:transition spd="med" p14:dur="700">
-        <p:fade/>
+      <p:transition spd="slow" p14:dur="800">
+        <p:fade thruBlk="1"/>
       </p:transition>
     </mc:Choice>
     <mc:Fallback>
-      <p:transition xmlns:p14="http://schemas.microsoft.com/office/powerpoint/2010/main" spd="med">
-        <p:fade/>
+      <p:transition xmlns:p14="http://schemas.microsoft.com/office/powerpoint/2010/main" spd="slow">
+        <p:fade thruBlk="1"/>
       </p:transition>
     </mc:Fallback>
   </mc:AlternateContent>
@@ -6620,19 +7101,19 @@
               <p:cTn id="2" dur="indefinite" nodeType="mainSeq">
                 <p:childTnLst>
                   <p:par>
-                    <p:cTn id="3" fill="hold" nodeType="clickPar">
+                    <p:cTn id="3" fill="hold">
                       <p:stCondLst>
                         <p:cond delay="indefinite"/>
                       </p:stCondLst>
                       <p:childTnLst>
                         <p:par>
-                          <p:cTn id="4" fill="hold" nodeType="withGroup">
+                          <p:cTn id="4" fill="hold">
                             <p:stCondLst>
                               <p:cond delay="0"/>
                             </p:stCondLst>
                             <p:childTnLst>
                               <p:par>
-                                <p:cTn id="5" presetID="1" presetClass="entr" presetSubtype="0" fill="hold" nodeType="clickEffect">
+                                <p:cTn id="5" presetID="9" presetClass="entr" presetSubtype="0" fill="hold" nodeType="clickEffect">
                                   <p:stCondLst>
                                     <p:cond delay="0"/>
                                   </p:stCondLst>
@@ -6659,20 +7140,23 @@
                                         <p:strVal val="visible"/>
                                       </p:to>
                                     </p:set>
+                                    <p:animEffect transition="in" filter="dissolve">
+                                      <p:cBhvr>
+                                        <p:cTn id="7" dur="500"/>
+                                        <p:tgtEl>
+                                          <p:spTgt spid="100355">
+                                            <p:txEl>
+                                              <p:pRg st="2" end="2"/>
+                                            </p:txEl>
+                                          </p:spTgt>
+                                        </p:tgtEl>
+                                      </p:cBhvr>
+                                    </p:animEffect>
                                   </p:childTnLst>
                                 </p:cTn>
                               </p:par>
-                            </p:childTnLst>
-                          </p:cTn>
-                        </p:par>
-                        <p:par>
-                          <p:cTn id="7" fill="hold" nodeType="afterGroup">
-                            <p:stCondLst>
-                              <p:cond delay="0"/>
-                            </p:stCondLst>
-                            <p:childTnLst>
                               <p:par>
-                                <p:cTn id="8" presetID="1" presetClass="entr" presetSubtype="0" fill="hold" nodeType="afterEffect">
+                                <p:cTn id="8" presetID="9" presetClass="entr" presetSubtype="0" fill="hold" nodeType="withEffect">
                                   <p:stCondLst>
                                     <p:cond delay="0"/>
                                   </p:stCondLst>
@@ -6699,18 +7183,92 @@
                                         <p:strVal val="visible"/>
                                       </p:to>
                                     </p:set>
+                                    <p:animEffect transition="in" filter="dissolve">
+                                      <p:cBhvr>
+                                        <p:cTn id="10" dur="500"/>
+                                        <p:tgtEl>
+                                          <p:spTgt spid="100355">
+                                            <p:txEl>
+                                              <p:pRg st="3" end="3"/>
+                                            </p:txEl>
+                                          </p:spTgt>
+                                        </p:tgtEl>
+                                      </p:cBhvr>
+                                    </p:animEffect>
                                   </p:childTnLst>
                                 </p:cTn>
                               </p:par>
+                            </p:childTnLst>
+                          </p:cTn>
+                        </p:par>
+                      </p:childTnLst>
+                    </p:cTn>
+                  </p:par>
+                  <p:par>
+                    <p:cTn id="11" fill="hold">
+                      <p:stCondLst>
+                        <p:cond delay="indefinite"/>
+                      </p:stCondLst>
+                      <p:childTnLst>
+                        <p:par>
+                          <p:cTn id="12" fill="hold">
+                            <p:stCondLst>
+                              <p:cond delay="0"/>
+                            </p:stCondLst>
+                            <p:childTnLst>
                               <p:par>
-                                <p:cTn id="10" presetID="1" presetClass="entr" presetSubtype="0" fill="hold" nodeType="withEffect">
+                                <p:cTn id="13" presetID="22" presetClass="entr" presetSubtype="8" fill="hold" nodeType="clickEffect">
                                   <p:stCondLst>
                                     <p:cond delay="0"/>
                                   </p:stCondLst>
                                   <p:childTnLst>
                                     <p:set>
                                       <p:cBhvr>
-                                        <p:cTn id="11" dur="1" fill="hold">
+                                        <p:cTn id="14" dur="1" fill="hold">
+                                          <p:stCondLst>
+                                            <p:cond delay="0"/>
+                                          </p:stCondLst>
+                                        </p:cTn>
+                                        <p:tgtEl>
+                                          <p:spTgt spid="2"/>
+                                        </p:tgtEl>
+                                        <p:attrNameLst>
+                                          <p:attrName>style.visibility</p:attrName>
+                                        </p:attrNameLst>
+                                      </p:cBhvr>
+                                      <p:to>
+                                        <p:strVal val="visible"/>
+                                      </p:to>
+                                    </p:set>
+                                    <p:animEffect transition="in" filter="wipe(left)">
+                                      <p:cBhvr>
+                                        <p:cTn id="15" dur="1000"/>
+                                        <p:tgtEl>
+                                          <p:spTgt spid="2"/>
+                                        </p:tgtEl>
+                                      </p:cBhvr>
+                                    </p:animEffect>
+                                  </p:childTnLst>
+                                </p:cTn>
+                              </p:par>
+                            </p:childTnLst>
+                          </p:cTn>
+                        </p:par>
+                        <p:par>
+                          <p:cTn id="16" fill="hold">
+                            <p:stCondLst>
+                              <p:cond delay="1000"/>
+                            </p:stCondLst>
+                            <p:childTnLst>
+                              <p:par>
+                                <p:cTn id="17" presetID="9" presetClass="entr" presetSubtype="0" fill="hold" nodeType="afterEffect">
+                                  <p:stCondLst>
+                                    <p:cond delay="0"/>
+                                  </p:stCondLst>
+                                  <p:childTnLst>
+                                    <p:set>
+                                      <p:cBhvr>
+                                        <p:cTn id="18" dur="1" fill="hold">
                                           <p:stCondLst>
                                             <p:cond delay="0"/>
                                           </p:stCondLst>
@@ -6718,7 +7276,7 @@
                                         <p:tgtEl>
                                           <p:spTgt spid="100355">
                                             <p:txEl>
-                                              <p:pRg st="4" end="4"/>
+                                              <p:pRg st="5" end="5"/>
                                             </p:txEl>
                                           </p:spTgt>
                                         </p:tgtEl>
@@ -6730,6 +7288,18 @@
                                         <p:strVal val="visible"/>
                                       </p:to>
                                     </p:set>
+                                    <p:animEffect transition="in" filter="dissolve">
+                                      <p:cBhvr>
+                                        <p:cTn id="19" dur="1000"/>
+                                        <p:tgtEl>
+                                          <p:spTgt spid="100355">
+                                            <p:txEl>
+                                              <p:pRg st="5" end="5"/>
+                                            </p:txEl>
+                                          </p:spTgt>
+                                        </p:tgtEl>
+                                      </p:cBhvr>
+                                    </p:animEffect>
                                   </p:childTnLst>
                                 </p:cTn>
                               </p:par>
@@ -7396,7 +7966,7 @@
 </file>
 
 <file path=ppt/slides/slide17.xml><?xml version="1.0" encoding="utf-8"?>
-<p:sld xmlns:a="http://schemas.openxmlformats.org/drawingml/2006/main" xmlns:r="http://schemas.openxmlformats.org/officeDocument/2006/relationships" xmlns:p="http://schemas.openxmlformats.org/presentationml/2006/main" showMasterPhAnim="0">
+<p:sld xmlns:a="http://schemas.openxmlformats.org/drawingml/2006/main" xmlns:r="http://schemas.openxmlformats.org/officeDocument/2006/relationships" xmlns:p="http://schemas.openxmlformats.org/presentationml/2006/main" showMasterPhAnim="0" show="0">
   <p:cSld>
     <p:spTree>
       <p:nvGrpSpPr>
@@ -7569,13 +8139,13 @@
   <p:clrMapOvr>
     <a:masterClrMapping/>
   </p:clrMapOvr>
-  <mc:AlternateContent xmlns:mc="http://schemas.openxmlformats.org/markup-compatibility/2006" xmlns:p14="http://schemas.microsoft.com/office/powerpoint/2010/main">
-    <mc:Choice Requires="p14">
+  <mc:AlternateContent xmlns:mc="http://schemas.openxmlformats.org/markup-compatibility/2006">
+    <mc:Choice xmlns:p14="http://schemas.microsoft.com/office/powerpoint/2010/main" Requires="p14">
       <p:transition spd="med" p14:dur="700">
         <p:fade/>
       </p:transition>
     </mc:Choice>
-    <mc:Fallback xmlns="">
+    <mc:Fallback>
       <p:transition xmlns:p14="http://schemas.microsoft.com/office/powerpoint/2010/main" spd="med">
         <p:fade/>
       </p:transition>
@@ -7624,7 +8194,7 @@
           <a:lstStyle/>
           <a:p>
             <a:r>
-              <a:rPr lang="en-US"/>
+              <a:rPr lang="en-US" dirty="0"/>
               <a:t>Annuities</a:t>
             </a:r>
           </a:p>
@@ -7642,8 +8212,8 @@
         </p:nvSpPr>
         <p:spPr>
           <a:xfrm>
-            <a:off x="381000" y="1143000"/>
-            <a:ext cx="8305800" cy="4533900"/>
+            <a:off x="76200" y="1219200"/>
+            <a:ext cx="8991600" cy="4953000"/>
           </a:xfrm>
         </p:spPr>
         <p:txBody>
@@ -7658,14 +8228,14 @@
               <a:buNone/>
             </a:pPr>
             <a:r>
-              <a:rPr lang="en-US" sz="4000" dirty="0">
+              <a:rPr lang="en-US" sz="4800" dirty="0" smtClean="0">
                 <a:latin typeface="Comic Sans MS"/>
                 <a:cs typeface="Comic Sans MS"/>
               </a:rPr>
-              <a:t>I pay you </a:t>
-            </a:r>
-            <a:r>
-              <a:rPr lang="en-US" sz="4000" dirty="0">
+              <a:t> Get </a:t>
+            </a:r>
+            <a:r>
+              <a:rPr lang="en-US" sz="4800" dirty="0">
                 <a:solidFill>
                   <a:srgbClr val="3333FF"/>
                 </a:solidFill>
@@ -7675,7 +8245,7 @@
               <a:t>$100/year</a:t>
             </a:r>
             <a:r>
-              <a:rPr lang="en-US" sz="4000" dirty="0">
+              <a:rPr lang="en-US" sz="4800" dirty="0">
                 <a:solidFill>
                   <a:srgbClr val="006600"/>
                 </a:solidFill>
@@ -7685,14 +8255,14 @@
               <a:t> </a:t>
             </a:r>
             <a:r>
-              <a:rPr lang="en-US" sz="4000" dirty="0">
+              <a:rPr lang="en-US" sz="4800" dirty="0">
                 <a:latin typeface="Comic Sans MS"/>
                 <a:cs typeface="Comic Sans MS"/>
               </a:rPr>
               <a:t>for</a:t>
             </a:r>
             <a:r>
-              <a:rPr lang="en-US" sz="4000" dirty="0">
+              <a:rPr lang="en-US" sz="4800" dirty="0">
                 <a:solidFill>
                   <a:srgbClr val="006600"/>
                 </a:solidFill>
@@ -7702,7 +8272,7 @@
               <a:t> </a:t>
             </a:r>
             <a:r>
-              <a:rPr lang="en-US" sz="4000" dirty="0">
+              <a:rPr lang="en-US" sz="4800" dirty="0">
                 <a:solidFill>
                   <a:srgbClr val="3333FF"/>
                 </a:solidFill>
@@ -7712,7 +8282,7 @@
               <a:t>10</a:t>
             </a:r>
             <a:r>
-              <a:rPr lang="en-US" sz="4000" dirty="0">
+              <a:rPr lang="en-US" sz="4800" dirty="0">
                 <a:solidFill>
                   <a:srgbClr val="006600"/>
                 </a:solidFill>
@@ -7722,7 +8292,7 @@
               <a:t> </a:t>
             </a:r>
             <a:r>
-              <a:rPr lang="en-US" sz="4000" dirty="0">
+              <a:rPr lang="en-US" sz="4800" dirty="0">
                 <a:latin typeface="Comic Sans MS"/>
                 <a:cs typeface="Comic Sans MS"/>
               </a:rPr>
@@ -7738,14 +8308,14 @@
               <a:buNone/>
             </a:pPr>
             <a:r>
-              <a:rPr lang="en-US" sz="4000" dirty="0">
+              <a:rPr lang="en-US" sz="4800" dirty="0" smtClean="0">
                 <a:latin typeface="Comic Sans MS"/>
                 <a:cs typeface="Comic Sans MS"/>
               </a:rPr>
-              <a:t>if you will pay me </a:t>
-            </a:r>
-            <a:r>
-              <a:rPr lang="en-US" sz="4000" dirty="0">
+              <a:t> if pay </a:t>
+            </a:r>
+            <a:r>
+              <a:rPr lang="en-US" sz="4800" dirty="0">
                 <a:solidFill>
                   <a:srgbClr val="3333FF"/>
                 </a:solidFill>
@@ -7755,7 +8325,7 @@
               <a:t>$</a:t>
             </a:r>
             <a:r>
-              <a:rPr lang="en-US" sz="4000" dirty="0">
+              <a:rPr lang="en-US" sz="4800" dirty="0">
                 <a:solidFill>
                   <a:srgbClr val="FF00FF"/>
                 </a:solidFill>
@@ -7765,7 +8335,7 @@
               <a:t>Y </a:t>
             </a:r>
             <a:r>
-              <a:rPr lang="en-US" sz="4000" dirty="0">
+              <a:rPr lang="en-US" sz="4800" dirty="0">
                 <a:latin typeface="Comic Sans MS"/>
                 <a:cs typeface="Comic Sans MS"/>
               </a:rPr>
@@ -7781,59 +8351,26 @@
               <a:buNone/>
             </a:pPr>
             <a:r>
-              <a:rPr lang="en-US" sz="4000" dirty="0">
+              <a:rPr lang="en-US" sz="4800" dirty="0" smtClean="0">
+                <a:solidFill>
+                  <a:srgbClr val="9D007C"/>
+                </a:solidFill>
                 <a:latin typeface="Comic Sans MS"/>
                 <a:cs typeface="Comic Sans MS"/>
               </a:rPr>
-              <a:t>I </a:t>
-            </a:r>
-            <a:r>
-              <a:rPr lang="en-US" sz="4000" dirty="0" smtClean="0">
-                <a:solidFill>
-                  <a:srgbClr val="9D007C"/>
-                </a:solidFill>
+              <a:t>Today’s value</a:t>
+            </a:r>
+            <a:r>
+              <a:rPr lang="en-US" sz="4800" dirty="0" smtClean="0">
                 <a:latin typeface="Comic Sans MS"/>
                 <a:cs typeface="Comic Sans MS"/>
               </a:rPr>
-              <a:t>can</a:t>
-            </a:r>
-            <a:r>
-              <a:rPr lang="en-US" sz="4000" dirty="0" smtClean="0">
-                <a:solidFill>
-                  <a:srgbClr val="9D007C"/>
-                </a:solidFill>
-                <a:latin typeface="Comic Sans MS"/>
-                <a:cs typeface="Comic Sans MS"/>
-              </a:rPr>
-              <a:t>’</a:t>
-            </a:r>
-            <a:r>
-              <a:rPr lang="en-US" sz="4000" dirty="0" smtClean="0">
-                <a:solidFill>
-                  <a:srgbClr val="9D007C"/>
-                </a:solidFill>
-                <a:latin typeface="Comic Sans MS"/>
-                <a:cs typeface="Comic Sans MS"/>
-              </a:rPr>
-              <a:t>t </a:t>
-            </a:r>
-            <a:r>
-              <a:rPr lang="en-US" sz="4000" dirty="0">
-                <a:solidFill>
-                  <a:srgbClr val="9D007C"/>
-                </a:solidFill>
-                <a:latin typeface="Comic Sans MS"/>
-                <a:cs typeface="Comic Sans MS"/>
-              </a:rPr>
-              <a:t>lose</a:t>
-            </a:r>
-            <a:r>
-              <a:rPr lang="en-US" sz="4000" dirty="0">
-                <a:latin typeface="Comic Sans MS"/>
-                <a:cs typeface="Comic Sans MS"/>
-              </a:rPr>
-              <a:t> if you pay me</a:t>
-            </a:r>
+              <a:t> of this deal is</a:t>
+            </a:r>
+            <a:endParaRPr lang="en-US" sz="4800" dirty="0">
+              <a:latin typeface="Comic Sans MS"/>
+              <a:cs typeface="Comic Sans MS"/>
+            </a:endParaRPr>
           </a:p>
           <a:p>
             <a:pPr>
@@ -7844,7 +8381,7 @@
               <a:buNone/>
             </a:pPr>
             <a:r>
-              <a:rPr lang="en-US" sz="4000" dirty="0">
+              <a:rPr lang="en-US" sz="4400" dirty="0">
                 <a:solidFill>
                   <a:srgbClr val="3333FF"/>
                 </a:solidFill>
@@ -7852,7 +8389,7 @@
               <a:t> 100r + 100r</a:t>
             </a:r>
             <a:r>
-              <a:rPr lang="en-US" sz="4000" baseline="30000" dirty="0">
+              <a:rPr lang="en-US" sz="4400" baseline="30000" dirty="0">
                 <a:solidFill>
                   <a:srgbClr val="3333FF"/>
                 </a:solidFill>
@@ -7860,7 +8397,7 @@
               <a:t>2</a:t>
             </a:r>
             <a:r>
-              <a:rPr lang="en-US" sz="4000" dirty="0">
+              <a:rPr lang="en-US" sz="4400" dirty="0">
                 <a:solidFill>
                   <a:srgbClr val="3333FF"/>
                 </a:solidFill>
@@ -7868,7 +8405,7 @@
               <a:t> + 100r</a:t>
             </a:r>
             <a:r>
-              <a:rPr lang="en-US" sz="4000" baseline="30000" dirty="0">
+              <a:rPr lang="en-US" sz="4400" baseline="30000" dirty="0">
                 <a:solidFill>
                   <a:srgbClr val="3333FF"/>
                 </a:solidFill>
@@ -7876,7 +8413,7 @@
               <a:t>3</a:t>
             </a:r>
             <a:r>
-              <a:rPr lang="en-US" sz="4000" dirty="0">
+              <a:rPr lang="en-US" sz="4400" dirty="0">
                 <a:solidFill>
                   <a:srgbClr val="3333FF"/>
                 </a:solidFill>
@@ -7884,7 +8421,7 @@
               <a:t> + </a:t>
             </a:r>
             <a:r>
-              <a:rPr lang="en-US" sz="4800" dirty="0">
+              <a:rPr lang="en-US" sz="5400" dirty="0">
                 <a:solidFill>
                   <a:srgbClr val="0000FF"/>
                 </a:solidFill>
@@ -7892,7 +8429,7 @@
               <a:t>⋯</a:t>
             </a:r>
             <a:r>
-              <a:rPr lang="en-US" sz="4000" dirty="0">
+              <a:rPr lang="en-US" sz="4400" dirty="0">
                 <a:solidFill>
                   <a:srgbClr val="3333FF"/>
                 </a:solidFill>
@@ -7900,7 +8437,7 @@
               <a:t> + 100r</a:t>
             </a:r>
             <a:r>
-              <a:rPr lang="en-US" sz="4000" baseline="30000" dirty="0">
+              <a:rPr lang="en-US" sz="4400" baseline="30000" dirty="0">
                 <a:solidFill>
                   <a:srgbClr val="3333FF"/>
                 </a:solidFill>
@@ -7919,10 +8456,16 @@
               <a:rPr lang="en-US" sz="4000" dirty="0">
                 <a:cs typeface="Times New Roman" charset="0"/>
               </a:rPr>
-              <a:t>  = </a:t>
-            </a:r>
-            <a:r>
-              <a:rPr lang="en-US" sz="4000" dirty="0">
+              <a:t>  </a:t>
+            </a:r>
+            <a:r>
+              <a:rPr lang="en-US" sz="4400" dirty="0">
+                <a:cs typeface="Times New Roman" charset="0"/>
+              </a:rPr>
+              <a:t>= </a:t>
+            </a:r>
+            <a:r>
+              <a:rPr lang="en-US" sz="4400" dirty="0">
                 <a:solidFill>
                   <a:srgbClr val="3333FF"/>
                 </a:solidFill>
@@ -7931,49 +8474,55 @@
               <a:t>100r(1+ r + </a:t>
             </a:r>
             <a:r>
+              <a:rPr lang="en-US" sz="4800" dirty="0">
+                <a:solidFill>
+                  <a:srgbClr val="0000FF"/>
+                </a:solidFill>
+              </a:rPr>
+              <a:t>⋯</a:t>
+            </a:r>
+            <a:r>
+              <a:rPr lang="en-US" sz="4400" dirty="0" smtClean="0">
+                <a:solidFill>
+                  <a:srgbClr val="3333FF"/>
+                </a:solidFill>
+                <a:cs typeface="Times New Roman" charset="0"/>
+              </a:rPr>
+              <a:t> </a:t>
+            </a:r>
+            <a:r>
               <a:rPr lang="en-US" sz="4400" dirty="0">
                 <a:solidFill>
-                  <a:srgbClr val="0000FF"/>
-                </a:solidFill>
-              </a:rPr>
-              <a:t>⋯</a:t>
-            </a:r>
-            <a:r>
-              <a:rPr lang="en-US" sz="4000" dirty="0" smtClean="0">
-                <a:solidFill>
                   <a:srgbClr val="3333FF"/>
                 </a:solidFill>
                 <a:cs typeface="Times New Roman" charset="0"/>
               </a:rPr>
-              <a:t> </a:t>
-            </a:r>
-            <a:r>
-              <a:rPr lang="en-US" sz="4000" dirty="0">
+              <a:t>+ r</a:t>
+            </a:r>
+            <a:r>
+              <a:rPr lang="en-US" sz="4400" baseline="30000" dirty="0">
                 <a:solidFill>
                   <a:srgbClr val="3333FF"/>
                 </a:solidFill>
                 <a:cs typeface="Times New Roman" charset="0"/>
               </a:rPr>
-              <a:t>+ r</a:t>
-            </a:r>
-            <a:r>
-              <a:rPr lang="en-US" sz="4000" baseline="30000" dirty="0">
+              <a:t>9</a:t>
+            </a:r>
+            <a:r>
+              <a:rPr lang="en-US" sz="4400" dirty="0">
                 <a:solidFill>
                   <a:srgbClr val="3333FF"/>
                 </a:solidFill>
                 <a:cs typeface="Times New Roman" charset="0"/>
               </a:rPr>
-              <a:t>9</a:t>
-            </a:r>
-            <a:r>
-              <a:rPr lang="en-US" sz="4000" dirty="0">
-                <a:solidFill>
-                  <a:srgbClr val="3333FF"/>
-                </a:solidFill>
-                <a:cs typeface="Times New Roman" charset="0"/>
-              </a:rPr>
               <a:t>)</a:t>
             </a:r>
+            <a:endParaRPr lang="en-US" sz="4000" dirty="0">
+              <a:solidFill>
+                <a:srgbClr val="3333FF"/>
+              </a:solidFill>
+              <a:cs typeface="Times New Roman" charset="0"/>
+            </a:endParaRPr>
           </a:p>
           <a:p>
             <a:pPr>
@@ -7985,10 +8534,14 @@
             </a:pPr>
             <a:r>
               <a:rPr lang="en-US" sz="4000" dirty="0"/>
-              <a:t>  = </a:t>
-            </a:r>
-            <a:r>
-              <a:rPr lang="en-US" sz="4000" dirty="0">
+              <a:t>  </a:t>
+            </a:r>
+            <a:r>
+              <a:rPr lang="en-US" sz="4400" dirty="0"/>
+              <a:t>= </a:t>
+            </a:r>
+            <a:r>
+              <a:rPr lang="en-US" sz="4400" dirty="0">
                 <a:solidFill>
                   <a:srgbClr val="3333FF"/>
                 </a:solidFill>
@@ -7996,107 +8549,719 @@
               <a:t>100r(</a:t>
             </a:r>
             <a:r>
+              <a:rPr lang="en-US" sz="4400" dirty="0" smtClean="0">
+                <a:solidFill>
+                  <a:srgbClr val="3333FF"/>
+                </a:solidFill>
+              </a:rPr>
+              <a:t>1</a:t>
+            </a:r>
+            <a:r>
+              <a:rPr lang="en-US" sz="4400" dirty="0" smtClean="0">
+                <a:solidFill>
+                  <a:srgbClr val="3333FF"/>
+                </a:solidFill>
+                <a:sym typeface="Symbol" charset="0"/>
+              </a:rPr>
+              <a:t>－</a:t>
+            </a:r>
+            <a:r>
+              <a:rPr lang="en-US" sz="4400" dirty="0" smtClean="0">
+                <a:solidFill>
+                  <a:srgbClr val="3333FF"/>
+                </a:solidFill>
+              </a:rPr>
+              <a:t>r</a:t>
+            </a:r>
+            <a:r>
+              <a:rPr lang="en-US" sz="4400" baseline="30000" dirty="0" smtClean="0">
+                <a:solidFill>
+                  <a:srgbClr val="3333FF"/>
+                </a:solidFill>
+              </a:rPr>
+              <a:t>10</a:t>
+            </a:r>
+            <a:r>
+              <a:rPr lang="en-US" sz="4400" dirty="0">
+                <a:solidFill>
+                  <a:srgbClr val="3333FF"/>
+                </a:solidFill>
+              </a:rPr>
+              <a:t>)</a:t>
+            </a:r>
+            <a:r>
+              <a:rPr lang="en-US" sz="4400" b="1" dirty="0">
+                <a:solidFill>
+                  <a:srgbClr val="3333FF"/>
+                </a:solidFill>
+              </a:rPr>
+              <a:t>/</a:t>
+            </a:r>
+            <a:r>
+              <a:rPr lang="en-US" sz="4400" dirty="0">
+                <a:solidFill>
+                  <a:srgbClr val="3333FF"/>
+                </a:solidFill>
+              </a:rPr>
+              <a:t>(</a:t>
+            </a:r>
+            <a:r>
+              <a:rPr lang="en-US" sz="4400" dirty="0" smtClean="0">
+                <a:solidFill>
+                  <a:srgbClr val="3333FF"/>
+                </a:solidFill>
+              </a:rPr>
+              <a:t>1</a:t>
+            </a:r>
+            <a:r>
+              <a:rPr lang="en-US" sz="4400" dirty="0">
+                <a:solidFill>
+                  <a:srgbClr val="3333FF"/>
+                </a:solidFill>
+                <a:sym typeface="Symbol" charset="0"/>
+              </a:rPr>
+              <a:t>－</a:t>
+            </a:r>
+            <a:r>
+              <a:rPr lang="en-US" sz="4400" dirty="0" smtClean="0">
+                <a:solidFill>
+                  <a:srgbClr val="3333FF"/>
+                </a:solidFill>
+              </a:rPr>
+              <a:t>r</a:t>
+            </a:r>
+            <a:r>
+              <a:rPr lang="en-US" sz="4400" dirty="0">
+                <a:solidFill>
+                  <a:srgbClr val="3333FF"/>
+                </a:solidFill>
+              </a:rPr>
+              <a:t>)</a:t>
+            </a:r>
+            <a:r>
+              <a:rPr lang="en-US" sz="4400" dirty="0"/>
+              <a:t> = $</a:t>
+            </a:r>
+            <a:r>
+              <a:rPr lang="en-US" sz="4400" dirty="0">
+                <a:solidFill>
+                  <a:srgbClr val="FF00FF"/>
+                </a:solidFill>
+              </a:rPr>
+              <a:t>853.02</a:t>
+            </a:r>
+          </a:p>
+        </p:txBody>
+      </p:sp>
+    </p:spTree>
+  </p:cSld>
+  <p:clrMapOvr>
+    <a:masterClrMapping/>
+  </p:clrMapOvr>
+  <mc:AlternateContent xmlns:mc="http://schemas.openxmlformats.org/markup-compatibility/2006" xmlns:p14="http://schemas.microsoft.com/office/powerpoint/2010/main">
+    <mc:Choice Requires="p14">
+      <p:transition spd="med" p14:dur="700">
+        <p:fade/>
+      </p:transition>
+    </mc:Choice>
+    <mc:Fallback xmlns="">
+      <p:transition xmlns:p14="http://schemas.microsoft.com/office/powerpoint/2010/main" spd="med">
+        <p:fade/>
+      </p:transition>
+    </mc:Fallback>
+  </mc:AlternateContent>
+  <p:timing>
+    <p:tnLst>
+      <p:par>
+        <p:cTn xmlns:p14="http://schemas.microsoft.com/office/powerpoint/2010/main" id="1" dur="indefinite" restart="never" nodeType="tmRoot">
+          <p:childTnLst>
+            <p:seq concurrent="1" nextAc="seek">
+              <p:cTn id="2" dur="indefinite" nodeType="mainSeq">
+                <p:childTnLst>
+                  <p:par>
+                    <p:cTn id="3" fill="hold">
+                      <p:stCondLst>
+                        <p:cond delay="indefinite"/>
+                      </p:stCondLst>
+                      <p:childTnLst>
+                        <p:par>
+                          <p:cTn id="4" fill="hold">
+                            <p:stCondLst>
+                              <p:cond delay="0"/>
+                            </p:stCondLst>
+                            <p:childTnLst>
+                              <p:par>
+                                <p:cTn id="5" presetID="9" presetClass="entr" presetSubtype="0" fill="hold" grpId="2" nodeType="clickEffect">
+                                  <p:stCondLst>
+                                    <p:cond delay="0"/>
+                                  </p:stCondLst>
+                                  <p:childTnLst>
+                                    <p:set>
+                                      <p:cBhvr>
+                                        <p:cTn id="6" dur="1" fill="hold">
+                                          <p:stCondLst>
+                                            <p:cond delay="0"/>
+                                          </p:stCondLst>
+                                        </p:cTn>
+                                        <p:tgtEl>
+                                          <p:spTgt spid="25603">
+                                            <p:txEl>
+                                              <p:pRg st="1" end="1"/>
+                                            </p:txEl>
+                                          </p:spTgt>
+                                        </p:tgtEl>
+                                        <p:attrNameLst>
+                                          <p:attrName>style.visibility</p:attrName>
+                                        </p:attrNameLst>
+                                      </p:cBhvr>
+                                      <p:to>
+                                        <p:strVal val="visible"/>
+                                      </p:to>
+                                    </p:set>
+                                    <p:animEffect transition="in" filter="dissolve">
+                                      <p:cBhvr>
+                                        <p:cTn id="7" dur="500"/>
+                                        <p:tgtEl>
+                                          <p:spTgt spid="25603">
+                                            <p:txEl>
+                                              <p:pRg st="1" end="1"/>
+                                            </p:txEl>
+                                          </p:spTgt>
+                                        </p:tgtEl>
+                                      </p:cBhvr>
+                                    </p:animEffect>
+                                  </p:childTnLst>
+                                </p:cTn>
+                              </p:par>
+                            </p:childTnLst>
+                          </p:cTn>
+                        </p:par>
+                      </p:childTnLst>
+                    </p:cTn>
+                  </p:par>
+                  <p:par>
+                    <p:cTn id="8" fill="hold">
+                      <p:stCondLst>
+                        <p:cond delay="indefinite"/>
+                      </p:stCondLst>
+                      <p:childTnLst>
+                        <p:par>
+                          <p:cTn id="9" fill="hold">
+                            <p:stCondLst>
+                              <p:cond delay="0"/>
+                            </p:stCondLst>
+                            <p:childTnLst>
+                              <p:par>
+                                <p:cTn id="10" presetID="9" presetClass="entr" presetSubtype="0" fill="hold" grpId="2" nodeType="clickEffect">
+                                  <p:stCondLst>
+                                    <p:cond delay="0"/>
+                                  </p:stCondLst>
+                                  <p:childTnLst>
+                                    <p:set>
+                                      <p:cBhvr>
+                                        <p:cTn id="11" dur="1" fill="hold">
+                                          <p:stCondLst>
+                                            <p:cond delay="0"/>
+                                          </p:stCondLst>
+                                        </p:cTn>
+                                        <p:tgtEl>
+                                          <p:spTgt spid="25603">
+                                            <p:txEl>
+                                              <p:pRg st="2" end="2"/>
+                                            </p:txEl>
+                                          </p:spTgt>
+                                        </p:tgtEl>
+                                        <p:attrNameLst>
+                                          <p:attrName>style.visibility</p:attrName>
+                                        </p:attrNameLst>
+                                      </p:cBhvr>
+                                      <p:to>
+                                        <p:strVal val="visible"/>
+                                      </p:to>
+                                    </p:set>
+                                    <p:animEffect transition="in" filter="dissolve">
+                                      <p:cBhvr>
+                                        <p:cTn id="12" dur="500"/>
+                                        <p:tgtEl>
+                                          <p:spTgt spid="25603">
+                                            <p:txEl>
+                                              <p:pRg st="2" end="2"/>
+                                            </p:txEl>
+                                          </p:spTgt>
+                                        </p:tgtEl>
+                                      </p:cBhvr>
+                                    </p:animEffect>
+                                  </p:childTnLst>
+                                </p:cTn>
+                              </p:par>
+                            </p:childTnLst>
+                          </p:cTn>
+                        </p:par>
+                      </p:childTnLst>
+                    </p:cTn>
+                  </p:par>
+                  <p:par>
+                    <p:cTn id="13" fill="hold">
+                      <p:stCondLst>
+                        <p:cond delay="indefinite"/>
+                      </p:stCondLst>
+                      <p:childTnLst>
+                        <p:par>
+                          <p:cTn id="14" fill="hold">
+                            <p:stCondLst>
+                              <p:cond delay="0"/>
+                            </p:stCondLst>
+                            <p:childTnLst>
+                              <p:par>
+                                <p:cTn id="15" presetID="9" presetClass="entr" presetSubtype="0" fill="hold" grpId="2" nodeType="clickEffect">
+                                  <p:stCondLst>
+                                    <p:cond delay="0"/>
+                                  </p:stCondLst>
+                                  <p:childTnLst>
+                                    <p:set>
+                                      <p:cBhvr>
+                                        <p:cTn id="16" dur="1" fill="hold">
+                                          <p:stCondLst>
+                                            <p:cond delay="0"/>
+                                          </p:stCondLst>
+                                        </p:cTn>
+                                        <p:tgtEl>
+                                          <p:spTgt spid="25603">
+                                            <p:txEl>
+                                              <p:pRg st="3" end="3"/>
+                                            </p:txEl>
+                                          </p:spTgt>
+                                        </p:tgtEl>
+                                        <p:attrNameLst>
+                                          <p:attrName>style.visibility</p:attrName>
+                                        </p:attrNameLst>
+                                      </p:cBhvr>
+                                      <p:to>
+                                        <p:strVal val="visible"/>
+                                      </p:to>
+                                    </p:set>
+                                    <p:animEffect transition="in" filter="dissolve">
+                                      <p:cBhvr>
+                                        <p:cTn id="17" dur="500"/>
+                                        <p:tgtEl>
+                                          <p:spTgt spid="25603">
+                                            <p:txEl>
+                                              <p:pRg st="3" end="3"/>
+                                            </p:txEl>
+                                          </p:spTgt>
+                                        </p:tgtEl>
+                                      </p:cBhvr>
+                                    </p:animEffect>
+                                  </p:childTnLst>
+                                </p:cTn>
+                              </p:par>
+                            </p:childTnLst>
+                          </p:cTn>
+                        </p:par>
+                      </p:childTnLst>
+                    </p:cTn>
+                  </p:par>
+                  <p:par>
+                    <p:cTn id="18" fill="hold">
+                      <p:stCondLst>
+                        <p:cond delay="indefinite"/>
+                      </p:stCondLst>
+                      <p:childTnLst>
+                        <p:par>
+                          <p:cTn id="19" fill="hold">
+                            <p:stCondLst>
+                              <p:cond delay="0"/>
+                            </p:stCondLst>
+                            <p:childTnLst>
+                              <p:par>
+                                <p:cTn id="20" presetID="9" presetClass="entr" presetSubtype="0" fill="hold" grpId="2" nodeType="clickEffect">
+                                  <p:stCondLst>
+                                    <p:cond delay="0"/>
+                                  </p:stCondLst>
+                                  <p:childTnLst>
+                                    <p:set>
+                                      <p:cBhvr>
+                                        <p:cTn id="21" dur="1" fill="hold">
+                                          <p:stCondLst>
+                                            <p:cond delay="0"/>
+                                          </p:stCondLst>
+                                        </p:cTn>
+                                        <p:tgtEl>
+                                          <p:spTgt spid="25603">
+                                            <p:txEl>
+                                              <p:pRg st="4" end="4"/>
+                                            </p:txEl>
+                                          </p:spTgt>
+                                        </p:tgtEl>
+                                        <p:attrNameLst>
+                                          <p:attrName>style.visibility</p:attrName>
+                                        </p:attrNameLst>
+                                      </p:cBhvr>
+                                      <p:to>
+                                        <p:strVal val="visible"/>
+                                      </p:to>
+                                    </p:set>
+                                    <p:animEffect transition="in" filter="dissolve">
+                                      <p:cBhvr>
+                                        <p:cTn id="22" dur="500"/>
+                                        <p:tgtEl>
+                                          <p:spTgt spid="25603">
+                                            <p:txEl>
+                                              <p:pRg st="4" end="4"/>
+                                            </p:txEl>
+                                          </p:spTgt>
+                                        </p:tgtEl>
+                                      </p:cBhvr>
+                                    </p:animEffect>
+                                  </p:childTnLst>
+                                </p:cTn>
+                              </p:par>
+                            </p:childTnLst>
+                          </p:cTn>
+                        </p:par>
+                      </p:childTnLst>
+                    </p:cTn>
+                  </p:par>
+                  <p:par>
+                    <p:cTn id="23" fill="hold">
+                      <p:stCondLst>
+                        <p:cond delay="indefinite"/>
+                      </p:stCondLst>
+                      <p:childTnLst>
+                        <p:par>
+                          <p:cTn id="24" fill="hold">
+                            <p:stCondLst>
+                              <p:cond delay="0"/>
+                            </p:stCondLst>
+                            <p:childTnLst>
+                              <p:par>
+                                <p:cTn id="25" presetID="9" presetClass="entr" presetSubtype="0" fill="hold" grpId="2" nodeType="clickEffect">
+                                  <p:stCondLst>
+                                    <p:cond delay="0"/>
+                                  </p:stCondLst>
+                                  <p:childTnLst>
+                                    <p:set>
+                                      <p:cBhvr>
+                                        <p:cTn id="26" dur="1" fill="hold">
+                                          <p:stCondLst>
+                                            <p:cond delay="0"/>
+                                          </p:stCondLst>
+                                        </p:cTn>
+                                        <p:tgtEl>
+                                          <p:spTgt spid="25603">
+                                            <p:txEl>
+                                              <p:pRg st="5" end="5"/>
+                                            </p:txEl>
+                                          </p:spTgt>
+                                        </p:tgtEl>
+                                        <p:attrNameLst>
+                                          <p:attrName>style.visibility</p:attrName>
+                                        </p:attrNameLst>
+                                      </p:cBhvr>
+                                      <p:to>
+                                        <p:strVal val="visible"/>
+                                      </p:to>
+                                    </p:set>
+                                    <p:animEffect transition="in" filter="dissolve">
+                                      <p:cBhvr>
+                                        <p:cTn id="27" dur="500"/>
+                                        <p:tgtEl>
+                                          <p:spTgt spid="25603">
+                                            <p:txEl>
+                                              <p:pRg st="5" end="5"/>
+                                            </p:txEl>
+                                          </p:spTgt>
+                                        </p:tgtEl>
+                                      </p:cBhvr>
+                                    </p:animEffect>
+                                  </p:childTnLst>
+                                </p:cTn>
+                              </p:par>
+                            </p:childTnLst>
+                          </p:cTn>
+                        </p:par>
+                      </p:childTnLst>
+                    </p:cTn>
+                  </p:par>
+                </p:childTnLst>
+              </p:cTn>
+              <p:prevCondLst>
+                <p:cond evt="onPrev" delay="0">
+                  <p:tgtEl>
+                    <p:sldTgt/>
+                  </p:tgtEl>
+                </p:cond>
+              </p:prevCondLst>
+              <p:nextCondLst>
+                <p:cond evt="onNext" delay="0">
+                  <p:tgtEl>
+                    <p:sldTgt/>
+                  </p:tgtEl>
+                </p:cond>
+              </p:nextCondLst>
+            </p:seq>
+          </p:childTnLst>
+        </p:cTn>
+      </p:par>
+    </p:tnLst>
+    <p:bldLst>
+      <p:bldP spid="25603" grpId="2" build="p"/>
+    </p:bldLst>
+  </p:timing>
+</p:sld>
+</file>
+
+<file path=ppt/slides/slide19.xml><?xml version="1.0" encoding="utf-8"?>
+<p:sld xmlns:a="http://schemas.openxmlformats.org/drawingml/2006/main" xmlns:r="http://schemas.openxmlformats.org/officeDocument/2006/relationships" xmlns:p="http://schemas.openxmlformats.org/presentationml/2006/main" showMasterPhAnim="0">
+  <p:cSld>
+    <p:spTree>
+      <p:nvGrpSpPr>
+        <p:cNvPr id="1" name=""/>
+        <p:cNvGrpSpPr/>
+        <p:nvPr/>
+      </p:nvGrpSpPr>
+      <p:grpSpPr>
+        <a:xfrm>
+          <a:off x="0" y="0"/>
+          <a:ext cx="0" cy="0"/>
+          <a:chOff x="0" y="0"/>
+          <a:chExt cx="0" cy="0"/>
+        </a:xfrm>
+      </p:grpSpPr>
+      <p:sp>
+        <p:nvSpPr>
+          <p:cNvPr id="134146" name="Rectangle 2"/>
+          <p:cNvSpPr>
+            <a:spLocks noGrp="1" noChangeArrowheads="1"/>
+          </p:cNvSpPr>
+          <p:nvPr>
+            <p:ph type="title"/>
+          </p:nvPr>
+        </p:nvSpPr>
+        <p:spPr/>
+        <p:txBody>
+          <a:bodyPr/>
+          <a:lstStyle/>
+          <a:p>
+            <a:r>
+              <a:rPr lang="en-US" dirty="0"/>
+              <a:t>Annuities</a:t>
+            </a:r>
+          </a:p>
+        </p:txBody>
+      </p:sp>
+      <p:sp>
+        <p:nvSpPr>
+          <p:cNvPr id="134147" name="Rectangle 3"/>
+          <p:cNvSpPr>
+            <a:spLocks noGrp="1" noChangeArrowheads="1"/>
+          </p:cNvSpPr>
+          <p:nvPr>
+            <p:ph type="body" idx="1"/>
+          </p:nvPr>
+        </p:nvSpPr>
+        <p:spPr>
+          <a:xfrm>
+            <a:off x="304800" y="1219200"/>
+            <a:ext cx="8610600" cy="4953000"/>
+          </a:xfrm>
+        </p:spPr>
+        <p:txBody>
+          <a:bodyPr/>
+          <a:lstStyle/>
+          <a:p>
+            <a:pPr marL="609600" indent="-609600">
+              <a:lnSpc>
+                <a:spcPct val="90000"/>
+              </a:lnSpc>
+              <a:buNone/>
+            </a:pPr>
+            <a:r>
+              <a:rPr lang="en-US" sz="4400" dirty="0" smtClean="0"/>
+              <a:t>Contract to </a:t>
+            </a:r>
+            <a:r>
+              <a:rPr lang="en-US" sz="4400" dirty="0"/>
+              <a:t>receive </a:t>
+            </a:r>
+            <a:r>
+              <a:rPr lang="en-US" sz="4400" dirty="0">
+                <a:solidFill>
+                  <a:srgbClr val="3333FF"/>
+                </a:solidFill>
+              </a:rPr>
+              <a:t>$100</a:t>
+            </a:r>
+            <a:r>
+              <a:rPr lang="en-US" sz="4400" dirty="0"/>
+              <a:t>/</a:t>
+            </a:r>
+            <a:r>
+              <a:rPr lang="en-US" sz="4400" dirty="0" smtClean="0"/>
+              <a:t>year</a:t>
+            </a:r>
+          </a:p>
+          <a:p>
+            <a:pPr marL="609600" indent="-609600">
+              <a:lnSpc>
+                <a:spcPct val="90000"/>
+              </a:lnSpc>
+              <a:buNone/>
+            </a:pPr>
+            <a:r>
+              <a:rPr lang="en-US" sz="4400" dirty="0" smtClean="0"/>
+              <a:t>for </a:t>
+            </a:r>
+            <a:r>
+              <a:rPr lang="en-US" sz="4400" dirty="0" smtClean="0">
+                <a:solidFill>
+                  <a:srgbClr val="3333FF"/>
+                </a:solidFill>
+              </a:rPr>
+              <a:t>10</a:t>
+            </a:r>
+            <a:r>
+              <a:rPr lang="en-US" sz="4400" dirty="0" smtClean="0"/>
+              <a:t> years is worth </a:t>
+            </a:r>
+            <a:r>
+              <a:rPr lang="en-US" sz="4400" dirty="0" smtClean="0">
+                <a:solidFill>
+                  <a:srgbClr val="3333FF"/>
+                </a:solidFill>
+              </a:rPr>
+              <a:t>$</a:t>
+            </a:r>
+            <a:r>
+              <a:rPr lang="en-US" sz="4400" dirty="0" smtClean="0">
+                <a:solidFill>
+                  <a:srgbClr val="FF00FF"/>
+                </a:solidFill>
+              </a:rPr>
+              <a:t>853.02</a:t>
+            </a:r>
+            <a:r>
               <a:rPr lang="en-US" sz="4000" dirty="0" smtClean="0">
                 <a:solidFill>
-                  <a:srgbClr val="3333FF"/>
-                </a:solidFill>
-              </a:rPr>
-              <a:t>1</a:t>
-            </a:r>
-            <a:r>
-              <a:rPr lang="en-US" sz="4000" dirty="0" smtClean="0">
-                <a:solidFill>
-                  <a:srgbClr val="3333FF"/>
-                </a:solidFill>
-                <a:sym typeface="Symbol" charset="0"/>
-              </a:rPr>
-              <a:t>－</a:t>
-            </a:r>
-            <a:r>
-              <a:rPr lang="en-US" sz="4000" dirty="0" smtClean="0">
-                <a:solidFill>
-                  <a:srgbClr val="3333FF"/>
-                </a:solidFill>
-              </a:rPr>
-              <a:t>r</a:t>
-            </a:r>
-            <a:r>
-              <a:rPr lang="en-US" sz="4000" baseline="30000" dirty="0" smtClean="0">
-                <a:solidFill>
-                  <a:srgbClr val="3333FF"/>
-                </a:solidFill>
-              </a:rPr>
-              <a:t>10</a:t>
-            </a:r>
-            <a:r>
-              <a:rPr lang="en-US" sz="4000" dirty="0">
-                <a:solidFill>
-                  <a:srgbClr val="3333FF"/>
-                </a:solidFill>
-              </a:rPr>
-              <a:t>)</a:t>
-            </a:r>
-            <a:r>
-              <a:rPr lang="en-US" sz="4000" b="1" dirty="0">
-                <a:solidFill>
-                  <a:srgbClr val="3333FF"/>
-                </a:solidFill>
-              </a:rPr>
-              <a:t>/</a:t>
-            </a:r>
-            <a:r>
-              <a:rPr lang="en-US" sz="4000" dirty="0">
-                <a:solidFill>
-                  <a:srgbClr val="3333FF"/>
-                </a:solidFill>
-              </a:rPr>
-              <a:t>(</a:t>
-            </a:r>
-            <a:r>
-              <a:rPr lang="en-US" sz="4000" dirty="0" smtClean="0">
-                <a:solidFill>
-                  <a:srgbClr val="3333FF"/>
-                </a:solidFill>
-              </a:rPr>
-              <a:t>1</a:t>
-            </a:r>
-            <a:r>
-              <a:rPr lang="en-US" sz="4000" dirty="0">
-                <a:solidFill>
-                  <a:srgbClr val="3333FF"/>
-                </a:solidFill>
-                <a:sym typeface="Symbol" charset="0"/>
-              </a:rPr>
-              <a:t>－</a:t>
-            </a:r>
-            <a:r>
-              <a:rPr lang="en-US" sz="4000" dirty="0" smtClean="0">
-                <a:solidFill>
-                  <a:srgbClr val="3333FF"/>
-                </a:solidFill>
-              </a:rPr>
-              <a:t>r</a:t>
-            </a:r>
-            <a:r>
-              <a:rPr lang="en-US" sz="4000" dirty="0">
-                <a:solidFill>
-                  <a:srgbClr val="3333FF"/>
-                </a:solidFill>
-              </a:rPr>
-              <a:t>)</a:t>
-            </a:r>
+                  <a:srgbClr val="FF00FF"/>
+                </a:solidFill>
+              </a:rPr>
+              <a:t> </a:t>
+            </a:r>
+            <a:endParaRPr lang="en-US" sz="4000" dirty="0" smtClean="0"/>
+          </a:p>
+          <a:p>
+            <a:pPr marL="609600" indent="-609600">
+              <a:lnSpc>
+                <a:spcPct val="90000"/>
+              </a:lnSpc>
+              <a:buFontTx/>
+              <a:buNone/>
+            </a:pPr>
+            <a:r>
+              <a:rPr lang="en-US" sz="3600" dirty="0" smtClean="0">
+                <a:solidFill>
+                  <a:srgbClr val="FF6600"/>
+                </a:solidFill>
+              </a:rPr>
+              <a:t>QUICKIE</a:t>
+            </a:r>
+            <a:r>
+              <a:rPr lang="en-US" sz="3600" dirty="0">
+                <a:solidFill>
+                  <a:srgbClr val="FF6600"/>
+                </a:solidFill>
+              </a:rPr>
+              <a:t>: </a:t>
+            </a:r>
+            <a:r>
+              <a:rPr lang="en-US" sz="3600" dirty="0"/>
+              <a:t>If </a:t>
+            </a:r>
+            <a:r>
+              <a:rPr lang="en-US" sz="3600" dirty="0" err="1"/>
+              <a:t>bankrates</a:t>
+            </a:r>
+            <a:r>
+              <a:rPr lang="en-US" sz="3600" dirty="0"/>
+              <a:t> unexpectedly </a:t>
+            </a:r>
+          </a:p>
+          <a:p>
+            <a:pPr marL="609600" indent="-609600">
+              <a:lnSpc>
+                <a:spcPct val="90000"/>
+              </a:lnSpc>
+              <a:buFontTx/>
+              <a:buNone/>
+            </a:pPr>
+            <a:r>
+              <a:rPr lang="en-US" sz="3600" dirty="0"/>
+              <a:t>increase in the next few years,</a:t>
+            </a:r>
+          </a:p>
+          <a:p>
+            <a:pPr marL="990600" lvl="1" indent="-533400">
+              <a:lnSpc>
+                <a:spcPct val="90000"/>
+              </a:lnSpc>
+              <a:buFontTx/>
+              <a:buAutoNum type="alphaUcPeriod"/>
+            </a:pPr>
+            <a:r>
+              <a:rPr lang="en-US" sz="4000" dirty="0" smtClean="0"/>
+              <a:t>annuity becomes more valuable</a:t>
+            </a:r>
+            <a:endParaRPr lang="en-US" sz="4000" dirty="0"/>
+          </a:p>
+          <a:p>
+            <a:pPr marL="990600" lvl="1" indent="-533400">
+              <a:lnSpc>
+                <a:spcPct val="90000"/>
+              </a:lnSpc>
+              <a:buFontTx/>
+              <a:buAutoNum type="alphaUcPeriod"/>
+            </a:pPr>
             <a:r>
               <a:rPr lang="en-US" sz="4000" dirty="0"/>
-              <a:t> = $</a:t>
-            </a:r>
-            <a:r>
-              <a:rPr lang="en-US" sz="4000" dirty="0">
-                <a:solidFill>
-                  <a:srgbClr val="FF00FF"/>
-                </a:solidFill>
-              </a:rPr>
-              <a:t>853.02</a:t>
-            </a:r>
+              <a:t>annuity </a:t>
+            </a:r>
+            <a:r>
+              <a:rPr lang="en-US" sz="4000" dirty="0" smtClean="0"/>
+              <a:t>has same value</a:t>
+            </a:r>
+          </a:p>
+          <a:p>
+            <a:pPr marL="990600" lvl="1" indent="-533400">
+              <a:lnSpc>
+                <a:spcPct val="90000"/>
+              </a:lnSpc>
+              <a:buFontTx/>
+              <a:buAutoNum type="alphaUcPeriod"/>
+            </a:pPr>
+            <a:r>
+              <a:rPr lang="en-US" sz="4000" dirty="0"/>
+              <a:t>annuity becomes </a:t>
+            </a:r>
+            <a:r>
+              <a:rPr lang="en-US" sz="4000" dirty="0" smtClean="0"/>
+              <a:t>less valuable</a:t>
+            </a:r>
+            <a:endParaRPr lang="en-US" sz="4000" dirty="0"/>
+          </a:p>
+          <a:p>
+            <a:pPr marL="990600" lvl="1" indent="-533400">
+              <a:lnSpc>
+                <a:spcPct val="90000"/>
+              </a:lnSpc>
+              <a:buFontTx/>
+              <a:buAutoNum type="alphaUcPeriod"/>
+            </a:pPr>
+            <a:endParaRPr lang="en-US" sz="4000" dirty="0">
+              <a:solidFill>
+                <a:srgbClr val="FF00FF"/>
+              </a:solidFill>
+            </a:endParaRPr>
           </a:p>
         </p:txBody>
       </p:sp>
@@ -8138,491 +9303,7 @@
                             </p:stCondLst>
                             <p:childTnLst>
                               <p:par>
-                                <p:cTn id="5" presetID="1" presetClass="entr" presetSubtype="0" fill="hold" nodeType="clickEffect">
-                                  <p:stCondLst>
-                                    <p:cond delay="0"/>
-                                  </p:stCondLst>
-                                  <p:childTnLst>
-                                    <p:set>
-                                      <p:cBhvr>
-                                        <p:cTn id="6" dur="1" fill="hold">
-                                          <p:stCondLst>
-                                            <p:cond delay="0"/>
-                                          </p:stCondLst>
-                                        </p:cTn>
-                                        <p:tgtEl>
-                                          <p:spTgt spid="25603">
-                                            <p:txEl>
-                                              <p:pRg st="1" end="1"/>
-                                            </p:txEl>
-                                          </p:spTgt>
-                                        </p:tgtEl>
-                                        <p:attrNameLst>
-                                          <p:attrName>style.visibility</p:attrName>
-                                        </p:attrNameLst>
-                                      </p:cBhvr>
-                                      <p:to>
-                                        <p:strVal val="visible"/>
-                                      </p:to>
-                                    </p:set>
-                                  </p:childTnLst>
-                                </p:cTn>
-                              </p:par>
-                            </p:childTnLst>
-                          </p:cTn>
-                        </p:par>
-                      </p:childTnLst>
-                    </p:cTn>
-                  </p:par>
-                  <p:par>
-                    <p:cTn id="7" fill="hold" nodeType="clickPar">
-                      <p:stCondLst>
-                        <p:cond delay="indefinite"/>
-                      </p:stCondLst>
-                      <p:childTnLst>
-                        <p:par>
-                          <p:cTn id="8" fill="hold" nodeType="withGroup">
-                            <p:stCondLst>
-                              <p:cond delay="0"/>
-                            </p:stCondLst>
-                            <p:childTnLst>
-                              <p:par>
-                                <p:cTn id="9" presetID="1" presetClass="entr" presetSubtype="0" fill="hold" grpId="1" nodeType="clickEffect">
-                                  <p:stCondLst>
-                                    <p:cond delay="0"/>
-                                  </p:stCondLst>
-                                  <p:childTnLst>
-                                    <p:set>
-                                      <p:cBhvr>
-                                        <p:cTn id="10" dur="1" fill="hold">
-                                          <p:stCondLst>
-                                            <p:cond delay="0"/>
-                                          </p:stCondLst>
-                                        </p:cTn>
-                                        <p:tgtEl>
-                                          <p:spTgt spid="25603">
-                                            <p:txEl>
-                                              <p:pRg st="2" end="2"/>
-                                            </p:txEl>
-                                          </p:spTgt>
-                                        </p:tgtEl>
-                                        <p:attrNameLst>
-                                          <p:attrName>style.visibility</p:attrName>
-                                        </p:attrNameLst>
-                                      </p:cBhvr>
-                                      <p:to>
-                                        <p:strVal val="visible"/>
-                                      </p:to>
-                                    </p:set>
-                                  </p:childTnLst>
-                                </p:cTn>
-                              </p:par>
-                              <p:par>
-                                <p:cTn id="11" presetID="1" presetClass="entr" presetSubtype="0" fill="hold" grpId="1" nodeType="withEffect">
-                                  <p:stCondLst>
-                                    <p:cond delay="0"/>
-                                  </p:stCondLst>
-                                  <p:childTnLst>
-                                    <p:set>
-                                      <p:cBhvr>
-                                        <p:cTn id="12" dur="1" fill="hold">
-                                          <p:stCondLst>
-                                            <p:cond delay="0"/>
-                                          </p:stCondLst>
-                                        </p:cTn>
-                                        <p:tgtEl>
-                                          <p:spTgt spid="25603">
-                                            <p:txEl>
-                                              <p:pRg st="3" end="3"/>
-                                            </p:txEl>
-                                          </p:spTgt>
-                                        </p:tgtEl>
-                                        <p:attrNameLst>
-                                          <p:attrName>style.visibility</p:attrName>
-                                        </p:attrNameLst>
-                                      </p:cBhvr>
-                                      <p:to>
-                                        <p:strVal val="visible"/>
-                                      </p:to>
-                                    </p:set>
-                                  </p:childTnLst>
-                                </p:cTn>
-                              </p:par>
-                            </p:childTnLst>
-                          </p:cTn>
-                        </p:par>
-                      </p:childTnLst>
-                    </p:cTn>
-                  </p:par>
-                  <p:par>
-                    <p:cTn id="13" fill="hold" nodeType="clickPar">
-                      <p:stCondLst>
-                        <p:cond delay="indefinite"/>
-                      </p:stCondLst>
-                      <p:childTnLst>
-                        <p:par>
-                          <p:cTn id="14" fill="hold" nodeType="withGroup">
-                            <p:stCondLst>
-                              <p:cond delay="0"/>
-                            </p:stCondLst>
-                            <p:childTnLst>
-                              <p:par>
-                                <p:cTn id="15" presetID="1" presetClass="entr" presetSubtype="0" fill="hold" nodeType="clickEffect">
-                                  <p:stCondLst>
-                                    <p:cond delay="0"/>
-                                  </p:stCondLst>
-                                  <p:childTnLst>
-                                    <p:set>
-                                      <p:cBhvr>
-                                        <p:cTn id="16" dur="1" fill="hold">
-                                          <p:stCondLst>
-                                            <p:cond delay="0"/>
-                                          </p:stCondLst>
-                                        </p:cTn>
-                                        <p:tgtEl>
-                                          <p:spTgt spid="25603">
-                                            <p:txEl>
-                                              <p:pRg st="4" end="4"/>
-                                            </p:txEl>
-                                          </p:spTgt>
-                                        </p:tgtEl>
-                                        <p:attrNameLst>
-                                          <p:attrName>style.visibility</p:attrName>
-                                        </p:attrNameLst>
-                                      </p:cBhvr>
-                                      <p:to>
-                                        <p:strVal val="visible"/>
-                                      </p:to>
-                                    </p:set>
-                                  </p:childTnLst>
-                                </p:cTn>
-                              </p:par>
-                            </p:childTnLst>
-                          </p:cTn>
-                        </p:par>
-                      </p:childTnLst>
-                    </p:cTn>
-                  </p:par>
-                  <p:par>
-                    <p:cTn id="17" fill="hold" nodeType="clickPar">
-                      <p:stCondLst>
-                        <p:cond delay="indefinite"/>
-                      </p:stCondLst>
-                      <p:childTnLst>
-                        <p:par>
-                          <p:cTn id="18" fill="hold" nodeType="withGroup">
-                            <p:stCondLst>
-                              <p:cond delay="0"/>
-                            </p:stCondLst>
-                            <p:childTnLst>
-                              <p:par>
-                                <p:cTn id="19" presetID="1" presetClass="entr" presetSubtype="0" fill="hold" nodeType="clickEffect">
-                                  <p:stCondLst>
-                                    <p:cond delay="0"/>
-                                  </p:stCondLst>
-                                  <p:childTnLst>
-                                    <p:set>
-                                      <p:cBhvr>
-                                        <p:cTn id="20" dur="1" fill="hold">
-                                          <p:stCondLst>
-                                            <p:cond delay="0"/>
-                                          </p:stCondLst>
-                                        </p:cTn>
-                                        <p:tgtEl>
-                                          <p:spTgt spid="25603">
-                                            <p:txEl>
-                                              <p:pRg st="5" end="5"/>
-                                            </p:txEl>
-                                          </p:spTgt>
-                                        </p:tgtEl>
-                                        <p:attrNameLst>
-                                          <p:attrName>style.visibility</p:attrName>
-                                        </p:attrNameLst>
-                                      </p:cBhvr>
-                                      <p:to>
-                                        <p:strVal val="visible"/>
-                                      </p:to>
-                                    </p:set>
-                                  </p:childTnLst>
-                                </p:cTn>
-                              </p:par>
-                            </p:childTnLst>
-                          </p:cTn>
-                        </p:par>
-                      </p:childTnLst>
-                    </p:cTn>
-                  </p:par>
-                </p:childTnLst>
-              </p:cTn>
-              <p:prevCondLst>
-                <p:cond evt="onPrev" delay="0">
-                  <p:tgtEl>
-                    <p:sldTgt/>
-                  </p:tgtEl>
-                </p:cond>
-              </p:prevCondLst>
-              <p:nextCondLst>
-                <p:cond evt="onNext" delay="0">
-                  <p:tgtEl>
-                    <p:sldTgt/>
-                  </p:tgtEl>
-                </p:cond>
-              </p:nextCondLst>
-            </p:seq>
-          </p:childTnLst>
-        </p:cTn>
-      </p:par>
-    </p:tnLst>
-    <p:bldLst>
-      <p:bldP spid="25603" grpId="1" uiExpand="1" build="allAtOnce"/>
-    </p:bldLst>
-  </p:timing>
-</p:sld>
-</file>
-
-<file path=ppt/slides/slide19.xml><?xml version="1.0" encoding="utf-8"?>
-<p:sld xmlns:a="http://schemas.openxmlformats.org/drawingml/2006/main" xmlns:r="http://schemas.openxmlformats.org/officeDocument/2006/relationships" xmlns:p="http://schemas.openxmlformats.org/presentationml/2006/main" showMasterPhAnim="0">
-  <p:cSld>
-    <p:spTree>
-      <p:nvGrpSpPr>
-        <p:cNvPr id="1" name=""/>
-        <p:cNvGrpSpPr/>
-        <p:nvPr/>
-      </p:nvGrpSpPr>
-      <p:grpSpPr>
-        <a:xfrm>
-          <a:off x="0" y="0"/>
-          <a:ext cx="0" cy="0"/>
-          <a:chOff x="0" y="0"/>
-          <a:chExt cx="0" cy="0"/>
-        </a:xfrm>
-      </p:grpSpPr>
-      <p:sp>
-        <p:nvSpPr>
-          <p:cNvPr id="134146" name="Rectangle 2"/>
-          <p:cNvSpPr>
-            <a:spLocks noGrp="1" noChangeArrowheads="1"/>
-          </p:cNvSpPr>
-          <p:nvPr>
-            <p:ph type="title"/>
-          </p:nvPr>
-        </p:nvSpPr>
-        <p:spPr/>
-        <p:txBody>
-          <a:bodyPr/>
-          <a:lstStyle/>
-          <a:p>
-            <a:r>
-              <a:rPr lang="en-US"/>
-              <a:t>Annuities</a:t>
-            </a:r>
-          </a:p>
-        </p:txBody>
-      </p:sp>
-      <p:sp>
-        <p:nvSpPr>
-          <p:cNvPr id="134147" name="Rectangle 3"/>
-          <p:cNvSpPr>
-            <a:spLocks noGrp="1" noChangeArrowheads="1"/>
-          </p:cNvSpPr>
-          <p:nvPr>
-            <p:ph type="body" idx="1"/>
-          </p:nvPr>
-        </p:nvSpPr>
-        <p:spPr>
-          <a:xfrm>
-            <a:off x="304800" y="1219200"/>
-            <a:ext cx="8610600" cy="4953000"/>
-          </a:xfrm>
-        </p:spPr>
-        <p:txBody>
-          <a:bodyPr/>
-          <a:lstStyle/>
-          <a:p>
-            <a:pPr marL="609600" indent="-609600">
-              <a:lnSpc>
-                <a:spcPct val="90000"/>
-              </a:lnSpc>
-              <a:buFontTx/>
-              <a:buNone/>
-            </a:pPr>
-            <a:r>
-              <a:rPr lang="en-US" sz="4000"/>
-              <a:t>I pay you </a:t>
-            </a:r>
-            <a:r>
-              <a:rPr lang="en-US" sz="4000">
-                <a:solidFill>
-                  <a:srgbClr val="3333FF"/>
-                </a:solidFill>
-              </a:rPr>
-              <a:t>$100/year</a:t>
-            </a:r>
-            <a:r>
-              <a:rPr lang="en-US" sz="4000">
-                <a:solidFill>
-                  <a:srgbClr val="006600"/>
-                </a:solidFill>
-              </a:rPr>
-              <a:t> </a:t>
-            </a:r>
-            <a:r>
-              <a:rPr lang="en-US" sz="4000"/>
-              <a:t>for</a:t>
-            </a:r>
-            <a:r>
-              <a:rPr lang="en-US" sz="4000">
-                <a:solidFill>
-                  <a:srgbClr val="006600"/>
-                </a:solidFill>
-              </a:rPr>
-              <a:t> 10 years,</a:t>
-            </a:r>
-          </a:p>
-          <a:p>
-            <a:pPr marL="609600" indent="-609600">
-              <a:lnSpc>
-                <a:spcPct val="90000"/>
-              </a:lnSpc>
-              <a:buFontTx/>
-              <a:buNone/>
-            </a:pPr>
-            <a:r>
-              <a:rPr lang="en-US" sz="4000"/>
-              <a:t>if you will pay me $</a:t>
-            </a:r>
-            <a:r>
-              <a:rPr lang="en-US" sz="4000">
-                <a:solidFill>
-                  <a:srgbClr val="FF00FF"/>
-                </a:solidFill>
-              </a:rPr>
-              <a:t>853.02</a:t>
-            </a:r>
-            <a:r>
-              <a:rPr lang="en-US" sz="4000"/>
-              <a:t>.</a:t>
-            </a:r>
-          </a:p>
-          <a:p>
-            <a:pPr marL="609600" indent="-609600">
-              <a:lnSpc>
-                <a:spcPct val="90000"/>
-              </a:lnSpc>
-              <a:buFontTx/>
-              <a:buNone/>
-            </a:pPr>
-            <a:r>
-              <a:rPr lang="en-US" sz="3600">
-                <a:solidFill>
-                  <a:srgbClr val="FF6600"/>
-                </a:solidFill>
-              </a:rPr>
-              <a:t>QUICKIE: </a:t>
-            </a:r>
-            <a:r>
-              <a:rPr lang="en-US" sz="3600"/>
-              <a:t>If bankrates unexpectedly </a:t>
-            </a:r>
-          </a:p>
-          <a:p>
-            <a:pPr marL="609600" indent="-609600">
-              <a:lnSpc>
-                <a:spcPct val="90000"/>
-              </a:lnSpc>
-              <a:buFontTx/>
-              <a:buNone/>
-            </a:pPr>
-            <a:r>
-              <a:rPr lang="en-US" sz="3600"/>
-              <a:t>increase in the next few years,</a:t>
-            </a:r>
-          </a:p>
-          <a:p>
-            <a:pPr marL="990600" lvl="1" indent="-533400">
-              <a:lnSpc>
-                <a:spcPct val="90000"/>
-              </a:lnSpc>
-              <a:buFontTx/>
-              <a:buAutoNum type="alphaUcPeriod"/>
-            </a:pPr>
-            <a:r>
-              <a:rPr lang="en-US" sz="4000"/>
-              <a:t>You come out ahead</a:t>
-            </a:r>
-          </a:p>
-          <a:p>
-            <a:pPr marL="990600" lvl="1" indent="-533400">
-              <a:lnSpc>
-                <a:spcPct val="90000"/>
-              </a:lnSpc>
-              <a:buFontTx/>
-              <a:buAutoNum type="alphaUcPeriod"/>
-            </a:pPr>
-            <a:r>
-              <a:rPr lang="en-US" sz="4000"/>
-              <a:t>The deal stays fair</a:t>
-            </a:r>
-          </a:p>
-          <a:p>
-            <a:pPr marL="990600" lvl="1" indent="-533400">
-              <a:lnSpc>
-                <a:spcPct val="90000"/>
-              </a:lnSpc>
-              <a:buFontTx/>
-              <a:buAutoNum type="alphaUcPeriod"/>
-            </a:pPr>
-            <a:r>
-              <a:rPr lang="en-US" sz="4000"/>
-              <a:t>I come out ahead</a:t>
-            </a:r>
-            <a:endParaRPr lang="en-US" sz="4000">
-              <a:solidFill>
-                <a:srgbClr val="FF00FF"/>
-              </a:solidFill>
-            </a:endParaRPr>
-          </a:p>
-        </p:txBody>
-      </p:sp>
-    </p:spTree>
-  </p:cSld>
-  <p:clrMapOvr>
-    <a:masterClrMapping/>
-  </p:clrMapOvr>
-  <mc:AlternateContent xmlns:mc="http://schemas.openxmlformats.org/markup-compatibility/2006" xmlns:p14="http://schemas.microsoft.com/office/powerpoint/2010/main">
-    <mc:Choice Requires="p14">
-      <p:transition spd="med" p14:dur="700">
-        <p:fade/>
-      </p:transition>
-    </mc:Choice>
-    <mc:Fallback xmlns="">
-      <p:transition xmlns:p14="http://schemas.microsoft.com/office/powerpoint/2010/main" spd="med">
-        <p:fade/>
-      </p:transition>
-    </mc:Fallback>
-  </mc:AlternateContent>
-  <p:timing>
-    <p:tnLst>
-      <p:par>
-        <p:cTn xmlns:p14="http://schemas.microsoft.com/office/powerpoint/2010/main" id="1" dur="indefinite" restart="never" nodeType="tmRoot">
-          <p:childTnLst>
-            <p:seq concurrent="1" nextAc="seek">
-              <p:cTn id="2" dur="indefinite" nodeType="mainSeq">
-                <p:childTnLst>
-                  <p:par>
-                    <p:cTn id="3" fill="hold" nodeType="clickPar">
-                      <p:stCondLst>
-                        <p:cond delay="indefinite"/>
-                      </p:stCondLst>
-                      <p:childTnLst>
-                        <p:par>
-                          <p:cTn id="4" fill="hold" nodeType="withGroup">
-                            <p:stCondLst>
-                              <p:cond delay="0"/>
-                            </p:stCondLst>
-                            <p:childTnLst>
-                              <p:par>
-                                <p:cTn id="5" presetID="1" presetClass="entr" presetSubtype="0" fill="hold" nodeType="clickEffect">
+                                <p:cTn id="5" presetID="9" presetClass="entr" presetSubtype="0" fill="hold" nodeType="clickEffect">
                                   <p:stCondLst>
                                     <p:cond delay="0"/>
                                   </p:stCondLst>
@@ -8649,18 +9330,30 @@
                                         <p:strVal val="visible"/>
                                       </p:to>
                                     </p:set>
+                                    <p:animEffect transition="in" filter="dissolve">
+                                      <p:cBhvr>
+                                        <p:cTn id="7" dur="500"/>
+                                        <p:tgtEl>
+                                          <p:spTgt spid="134147">
+                                            <p:txEl>
+                                              <p:pRg st="2" end="2"/>
+                                            </p:txEl>
+                                          </p:spTgt>
+                                        </p:tgtEl>
+                                      </p:cBhvr>
+                                    </p:animEffect>
                                   </p:childTnLst>
                                 </p:cTn>
                               </p:par>
                               <p:par>
-                                <p:cTn id="7" presetID="1" presetClass="entr" presetSubtype="0" fill="hold" nodeType="withEffect">
+                                <p:cTn id="8" presetID="9" presetClass="entr" presetSubtype="0" fill="hold" nodeType="withEffect">
                                   <p:stCondLst>
                                     <p:cond delay="0"/>
                                   </p:stCondLst>
                                   <p:childTnLst>
                                     <p:set>
                                       <p:cBhvr>
-                                        <p:cTn id="8" dur="1" fill="hold">
+                                        <p:cTn id="9" dur="1" fill="hold">
                                           <p:stCondLst>
                                             <p:cond delay="0"/>
                                           </p:stCondLst>
@@ -8680,18 +9373,152 @@
                                         <p:strVal val="visible"/>
                                       </p:to>
                                     </p:set>
+                                    <p:animEffect transition="in" filter="dissolve">
+                                      <p:cBhvr>
+                                        <p:cTn id="10" dur="500"/>
+                                        <p:tgtEl>
+                                          <p:spTgt spid="134147">
+                                            <p:txEl>
+                                              <p:pRg st="3" end="3"/>
+                                            </p:txEl>
+                                          </p:spTgt>
+                                        </p:tgtEl>
+                                      </p:cBhvr>
+                                    </p:animEffect>
                                   </p:childTnLst>
                                 </p:cTn>
                               </p:par>
+                            </p:childTnLst>
+                          </p:cTn>
+                        </p:par>
+                      </p:childTnLst>
+                    </p:cTn>
+                  </p:par>
+                  <p:par>
+                    <p:cTn id="11" fill="hold">
+                      <p:stCondLst>
+                        <p:cond delay="indefinite"/>
+                      </p:stCondLst>
+                      <p:childTnLst>
+                        <p:par>
+                          <p:cTn id="12" fill="hold">
+                            <p:stCondLst>
+                              <p:cond delay="0"/>
+                            </p:stCondLst>
+                            <p:childTnLst>
                               <p:par>
-                                <p:cTn id="9" presetID="1" presetClass="entr" presetSubtype="0" fill="hold" nodeType="withEffect">
+                                <p:cTn id="13" presetID="9" presetClass="entr" presetSubtype="0" fill="hold" nodeType="clickEffect">
                                   <p:stCondLst>
                                     <p:cond delay="0"/>
                                   </p:stCondLst>
                                   <p:childTnLst>
                                     <p:set>
                                       <p:cBhvr>
-                                        <p:cTn id="10" dur="1" fill="hold">
+                                        <p:cTn id="14" dur="1" fill="hold">
+                                          <p:stCondLst>
+                                            <p:cond delay="0"/>
+                                          </p:stCondLst>
+                                        </p:cTn>
+                                        <p:tgtEl>
+                                          <p:spTgt spid="134147">
+                                            <p:txEl>
+                                              <p:pRg st="4" end="4"/>
+                                            </p:txEl>
+                                          </p:spTgt>
+                                        </p:tgtEl>
+                                        <p:attrNameLst>
+                                          <p:attrName>style.visibility</p:attrName>
+                                        </p:attrNameLst>
+                                      </p:cBhvr>
+                                      <p:to>
+                                        <p:strVal val="visible"/>
+                                      </p:to>
+                                    </p:set>
+                                    <p:animEffect transition="in" filter="dissolve">
+                                      <p:cBhvr>
+                                        <p:cTn id="15" dur="1000"/>
+                                        <p:tgtEl>
+                                          <p:spTgt spid="134147">
+                                            <p:txEl>
+                                              <p:pRg st="4" end="4"/>
+                                            </p:txEl>
+                                          </p:spTgt>
+                                        </p:tgtEl>
+                                      </p:cBhvr>
+                                    </p:animEffect>
+                                  </p:childTnLst>
+                                </p:cTn>
+                              </p:par>
+                            </p:childTnLst>
+                          </p:cTn>
+                        </p:par>
+                        <p:par>
+                          <p:cTn id="16" fill="hold">
+                            <p:stCondLst>
+                              <p:cond delay="1000"/>
+                            </p:stCondLst>
+                            <p:childTnLst>
+                              <p:par>
+                                <p:cTn id="17" presetID="9" presetClass="entr" presetSubtype="0" fill="hold" nodeType="afterEffect">
+                                  <p:stCondLst>
+                                    <p:cond delay="0"/>
+                                  </p:stCondLst>
+                                  <p:childTnLst>
+                                    <p:set>
+                                      <p:cBhvr>
+                                        <p:cTn id="18" dur="1" fill="hold">
+                                          <p:stCondLst>
+                                            <p:cond delay="0"/>
+                                          </p:stCondLst>
+                                        </p:cTn>
+                                        <p:tgtEl>
+                                          <p:spTgt spid="134147">
+                                            <p:txEl>
+                                              <p:pRg st="5" end="5"/>
+                                            </p:txEl>
+                                          </p:spTgt>
+                                        </p:tgtEl>
+                                        <p:attrNameLst>
+                                          <p:attrName>style.visibility</p:attrName>
+                                        </p:attrNameLst>
+                                      </p:cBhvr>
+                                      <p:to>
+                                        <p:strVal val="visible"/>
+                                      </p:to>
+                                    </p:set>
+                                    <p:animEffect transition="in" filter="dissolve">
+                                      <p:cBhvr>
+                                        <p:cTn id="19" dur="1000"/>
+                                        <p:tgtEl>
+                                          <p:spTgt spid="134147">
+                                            <p:txEl>
+                                              <p:pRg st="5" end="5"/>
+                                            </p:txEl>
+                                          </p:spTgt>
+                                        </p:tgtEl>
+                                      </p:cBhvr>
+                                    </p:animEffect>
+                                  </p:childTnLst>
+                                </p:cTn>
+                              </p:par>
+                            </p:childTnLst>
+                          </p:cTn>
+                        </p:par>
+                        <p:par>
+                          <p:cTn id="20" fill="hold">
+                            <p:stCondLst>
+                              <p:cond delay="2000"/>
+                            </p:stCondLst>
+                            <p:childTnLst>
+                              <p:par>
+                                <p:cTn id="21" presetID="9" presetClass="entr" presetSubtype="0" fill="hold" nodeType="afterEffect">
+                                  <p:stCondLst>
+                                    <p:cond delay="0"/>
+                                  </p:stCondLst>
+                                  <p:childTnLst>
+                                    <p:set>
+                                      <p:cBhvr>
+                                        <p:cTn id="22" dur="1" fill="hold">
                                           <p:stCondLst>
                                             <p:cond delay="0"/>
                                           </p:stCondLst>
@@ -8711,68 +9538,18 @@
                                         <p:strVal val="visible"/>
                                       </p:to>
                                     </p:set>
-                                  </p:childTnLst>
-                                </p:cTn>
-                              </p:par>
-                              <p:par>
-                                <p:cTn id="11" presetID="1" presetClass="entr" presetSubtype="0" fill="hold" nodeType="withEffect">
-                                  <p:stCondLst>
-                                    <p:cond delay="0"/>
-                                  </p:stCondLst>
-                                  <p:childTnLst>
-                                    <p:set>
+                                    <p:animEffect transition="in" filter="dissolve">
                                       <p:cBhvr>
-                                        <p:cTn id="12" dur="1" fill="hold">
-                                          <p:stCondLst>
-                                            <p:cond delay="0"/>
-                                          </p:stCondLst>
-                                        </p:cTn>
+                                        <p:cTn id="23" dur="1000"/>
                                         <p:tgtEl>
                                           <p:spTgt spid="134147">
                                             <p:txEl>
-                                              <p:pRg st="4" end="4"/>
+                                              <p:pRg st="6" end="6"/>
                                             </p:txEl>
                                           </p:spTgt>
                                         </p:tgtEl>
-                                        <p:attrNameLst>
-                                          <p:attrName>style.visibility</p:attrName>
-                                        </p:attrNameLst>
                                       </p:cBhvr>
-                                      <p:to>
-                                        <p:strVal val="visible"/>
-                                      </p:to>
-                                    </p:set>
-                                  </p:childTnLst>
-                                </p:cTn>
-                              </p:par>
-                              <p:par>
-                                <p:cTn id="13" presetID="1" presetClass="entr" presetSubtype="0" fill="hold" nodeType="withEffect">
-                                  <p:stCondLst>
-                                    <p:cond delay="0"/>
-                                  </p:stCondLst>
-                                  <p:childTnLst>
-                                    <p:set>
-                                      <p:cBhvr>
-                                        <p:cTn id="14" dur="1" fill="hold">
-                                          <p:stCondLst>
-                                            <p:cond delay="0"/>
-                                          </p:stCondLst>
-                                        </p:cTn>
-                                        <p:tgtEl>
-                                          <p:spTgt spid="134147">
-                                            <p:txEl>
-                                              <p:pRg st="5" end="5"/>
-                                            </p:txEl>
-                                          </p:spTgt>
-                                        </p:tgtEl>
-                                        <p:attrNameLst>
-                                          <p:attrName>style.visibility</p:attrName>
-                                        </p:attrNameLst>
-                                      </p:cBhvr>
-                                      <p:to>
-                                        <p:strVal val="visible"/>
-                                      </p:to>
-                                    </p:set>
+                                    </p:animEffect>
                                   </p:childTnLst>
                                 </p:cTn>
                               </p:par>
@@ -8873,7 +9650,7 @@
           <a:graphicData uri="http://schemas.openxmlformats.org/presentationml/2006/ole">
             <mc:AlternateContent xmlns:mc="http://schemas.openxmlformats.org/markup-compatibility/2006">
               <mc:Choice xmlns:v="urn:schemas-microsoft-com:vml" Requires="v">
-                <p:oleObj spid="_x0000_s27724" name="Equation" r:id="rId4" imgW="1549400" imgH="292100" progId="Equation.DSMT4">
+                <p:oleObj spid="_x0000_s27734" name="Equation" r:id="rId4" imgW="1549400" imgH="292100" progId="Equation.DSMT4">
                   <p:embed/>
                 </p:oleObj>
               </mc:Choice>
@@ -8939,7 +9716,7 @@
           <a:graphicData uri="http://schemas.openxmlformats.org/presentationml/2006/ole">
             <mc:AlternateContent xmlns:mc="http://schemas.openxmlformats.org/markup-compatibility/2006">
               <mc:Choice xmlns:v="urn:schemas-microsoft-com:vml" Requires="v">
-                <p:oleObj spid="_x0000_s27725" name="Equation" r:id="rId6" imgW="1879600" imgH="292100" progId="Equation.DSMT4">
+                <p:oleObj spid="_x0000_s27735" name="Equation" r:id="rId6" imgW="1879600" imgH="292100" progId="Equation.DSMT4">
                   <p:embed/>
                 </p:oleObj>
               </mc:Choice>
@@ -9078,7 +9855,7 @@
 </file>
 
 <file path=ppt/slides/slide20.xml><?xml version="1.0" encoding="utf-8"?>
-<p:sld xmlns:a="http://schemas.openxmlformats.org/drawingml/2006/main" xmlns:r="http://schemas.openxmlformats.org/officeDocument/2006/relationships" xmlns:p="http://schemas.openxmlformats.org/presentationml/2006/main">
+<p:sld xmlns:a="http://schemas.openxmlformats.org/drawingml/2006/main" xmlns:r="http://schemas.openxmlformats.org/officeDocument/2006/relationships" xmlns:p="http://schemas.openxmlformats.org/presentationml/2006/main" show="0">
   <p:cSld>
     <p:spTree>
       <p:nvGrpSpPr>
@@ -9194,7 +9971,7 @@
           <a:graphicData uri="http://schemas.openxmlformats.org/presentationml/2006/ole">
             <mc:AlternateContent xmlns:mc="http://schemas.openxmlformats.org/markup-compatibility/2006">
               <mc:Choice xmlns:v="urn:schemas-microsoft-com:vml" Requires="v">
-                <p:oleObj spid="_x0000_s122956" name="Equation" r:id="rId4" imgW="1803240" imgH="482400" progId="Equation.DSMT4">
+                <p:oleObj spid="_x0000_s122968" name="Equation" r:id="rId4" imgW="1803240" imgH="482400" progId="Equation.DSMT4">
                   <p:embed/>
                 </p:oleObj>
               </mc:Choice>
@@ -9289,7 +10066,7 @@
           <a:graphicData uri="http://schemas.openxmlformats.org/presentationml/2006/ole">
             <mc:AlternateContent xmlns:mc="http://schemas.openxmlformats.org/markup-compatibility/2006">
               <mc:Choice xmlns:v="urn:schemas-microsoft-com:vml" Requires="v">
-                <p:oleObj spid="_x0000_s122957" name="Equation" r:id="rId6" imgW="2145960" imgH="482400" progId="Equation.DSMT4">
+                <p:oleObj spid="_x0000_s122969" name="Equation" r:id="rId6" imgW="2145960" imgH="482400" progId="Equation.DSMT4">
                   <p:embed/>
                 </p:oleObj>
               </mc:Choice>
@@ -9464,7 +10241,7 @@
 </file>
 
 <file path=ppt/slides/slide21.xml><?xml version="1.0" encoding="utf-8"?>
-<p:sld xmlns:a="http://schemas.openxmlformats.org/drawingml/2006/main" xmlns:r="http://schemas.openxmlformats.org/officeDocument/2006/relationships" xmlns:p="http://schemas.openxmlformats.org/presentationml/2006/main">
+<p:sld xmlns:a="http://schemas.openxmlformats.org/drawingml/2006/main" xmlns:r="http://schemas.openxmlformats.org/officeDocument/2006/relationships" xmlns:p="http://schemas.openxmlformats.org/presentationml/2006/main" show="0">
   <p:cSld>
     <p:spTree>
       <p:nvGrpSpPr>
@@ -9518,7 +10295,7 @@
           <a:graphicData uri="http://schemas.openxmlformats.org/presentationml/2006/ole">
             <mc:AlternateContent xmlns:mc="http://schemas.openxmlformats.org/markup-compatibility/2006">
               <mc:Choice xmlns:v="urn:schemas-microsoft-com:vml" Requires="v">
-                <p:oleObj spid="_x0000_s128056" name="Equation" r:id="rId4" imgW="1765080" imgH="444240" progId="Equation.DSMT4">
+                <p:oleObj spid="_x0000_s128062" name="Equation" r:id="rId4" imgW="1765080" imgH="444240" progId="Equation.DSMT4">
                   <p:embed/>
                 </p:oleObj>
               </mc:Choice>
@@ -9602,13 +10379,13 @@
   <p:clrMapOvr>
     <a:masterClrMapping/>
   </p:clrMapOvr>
-  <mc:AlternateContent xmlns:mc="http://schemas.openxmlformats.org/markup-compatibility/2006" xmlns:p14="http://schemas.microsoft.com/office/powerpoint/2010/main">
-    <mc:Choice Requires="p14">
+  <mc:AlternateContent xmlns:mc="http://schemas.openxmlformats.org/markup-compatibility/2006">
+    <mc:Choice xmlns:p14="http://schemas.microsoft.com/office/powerpoint/2010/main" Requires="p14">
       <p:transition spd="med" p14:dur="700">
         <p:fade/>
       </p:transition>
     </mc:Choice>
-    <mc:Fallback xmlns="">
+    <mc:Fallback>
       <p:transition xmlns:p14="http://schemas.microsoft.com/office/powerpoint/2010/main" spd="med">
         <p:fade/>
       </p:transition>
@@ -9686,7 +10463,7 @@
           <a:graphicData uri="http://schemas.openxmlformats.org/presentationml/2006/ole">
             <mc:AlternateContent xmlns:mc="http://schemas.openxmlformats.org/markup-compatibility/2006">
               <mc:Choice xmlns:v="urn:schemas-microsoft-com:vml" Requires="v">
-                <p:oleObj spid="_x0000_s1069" name="Equation" r:id="rId4" imgW="1549400" imgH="292100" progId="Equation.DSMT4">
+                <p:oleObj spid="_x0000_s1079" name="Equation" r:id="rId4" imgW="1549400" imgH="292100" progId="Equation.DSMT4">
                   <p:embed/>
                 </p:oleObj>
               </mc:Choice>
@@ -9752,7 +10529,7 @@
           <a:graphicData uri="http://schemas.openxmlformats.org/presentationml/2006/ole">
             <mc:AlternateContent xmlns:mc="http://schemas.openxmlformats.org/markup-compatibility/2006">
               <mc:Choice xmlns:v="urn:schemas-microsoft-com:vml" Requires="v">
-                <p:oleObj spid="_x0000_s1070" name="Equation" r:id="rId6" imgW="1955800" imgH="292100" progId="Equation.DSMT4">
+                <p:oleObj spid="_x0000_s1080" name="Equation" r:id="rId6" imgW="1955800" imgH="292100" progId="Equation.DSMT4">
                   <p:embed/>
                 </p:oleObj>
               </mc:Choice>
@@ -9858,7 +10635,7 @@
           <a:graphicData uri="http://schemas.openxmlformats.org/presentationml/2006/ole">
             <mc:AlternateContent xmlns:mc="http://schemas.openxmlformats.org/markup-compatibility/2006">
               <mc:Choice xmlns:v="urn:schemas-microsoft-com:vml" Requires="v">
-                <p:oleObj spid="_x0000_s135217" name="Equation" r:id="rId4" imgW="1549400" imgH="292100" progId="Equation.DSMT4">
+                <p:oleObj spid="_x0000_s135227" name="Equation" r:id="rId4" imgW="1549400" imgH="292100" progId="Equation.DSMT4">
                   <p:embed/>
                 </p:oleObj>
               </mc:Choice>
@@ -9924,7 +10701,7 @@
           <a:graphicData uri="http://schemas.openxmlformats.org/presentationml/2006/ole">
             <mc:AlternateContent xmlns:mc="http://schemas.openxmlformats.org/markup-compatibility/2006">
               <mc:Choice xmlns:v="urn:schemas-microsoft-com:vml" Requires="v">
-                <p:oleObj spid="_x0000_s135218" name="Equation" r:id="rId6" imgW="2032000" imgH="292100" progId="Equation.DSMT4">
+                <p:oleObj spid="_x0000_s135228" name="Equation" r:id="rId6" imgW="2032000" imgH="292100" progId="Equation.DSMT4">
                   <p:embed/>
                 </p:oleObj>
               </mc:Choice>
@@ -10347,7 +11124,7 @@
           <a:graphicData uri="http://schemas.openxmlformats.org/presentationml/2006/ole">
             <mc:AlternateContent xmlns:mc="http://schemas.openxmlformats.org/markup-compatibility/2006">
               <mc:Choice xmlns:v="urn:schemas-microsoft-com:vml" Requires="v">
-                <p:oleObj spid="_x0000_s136236" name="Equation" r:id="rId4" imgW="1549400" imgH="292100" progId="Equation.DSMT4">
+                <p:oleObj spid="_x0000_s136246" name="Equation" r:id="rId4" imgW="1549400" imgH="292100" progId="Equation.DSMT4">
                   <p:embed/>
                 </p:oleObj>
               </mc:Choice>
@@ -10413,7 +11190,7 @@
           <a:graphicData uri="http://schemas.openxmlformats.org/presentationml/2006/ole">
             <mc:AlternateContent xmlns:mc="http://schemas.openxmlformats.org/markup-compatibility/2006">
               <mc:Choice xmlns:v="urn:schemas-microsoft-com:vml" Requires="v">
-                <p:oleObj spid="_x0000_s136237" name="Equation" r:id="rId6" imgW="2032000" imgH="292100" progId="Equation.DSMT4">
+                <p:oleObj spid="_x0000_s136247" name="Equation" r:id="rId6" imgW="2032000" imgH="292100" progId="Equation.DSMT4">
                   <p:embed/>
                 </p:oleObj>
               </mc:Choice>
@@ -11026,7 +11803,7 @@
           <a:graphicData uri="http://schemas.openxmlformats.org/presentationml/2006/ole">
             <mc:AlternateContent xmlns:mc="http://schemas.openxmlformats.org/markup-compatibility/2006">
               <mc:Choice xmlns:v="urn:schemas-microsoft-com:vml" Requires="v">
-                <p:oleObj spid="_x0000_s144401" name="Equation" r:id="rId4" imgW="762000" imgH="292100" progId="Equation.DSMT4">
+                <p:oleObj spid="_x0000_s144406" name="Equation" r:id="rId4" imgW="762000" imgH="292100" progId="Equation.DSMT4">
                   <p:embed/>
                 </p:oleObj>
               </mc:Choice>
@@ -11417,7 +12194,7 @@
           <a:graphicData uri="http://schemas.openxmlformats.org/presentationml/2006/ole">
             <mc:AlternateContent xmlns:mc="http://schemas.openxmlformats.org/markup-compatibility/2006">
               <mc:Choice xmlns:v="urn:schemas-microsoft-com:vml" Requires="v">
-                <p:oleObj spid="_x0000_s143405" name="Equation" r:id="rId4" imgW="762000" imgH="292100" progId="Equation.DSMT4">
+                <p:oleObj spid="_x0000_s143423" name="Equation" r:id="rId4" imgW="762000" imgH="292100" progId="Equation.DSMT4">
                   <p:embed/>
                 </p:oleObj>
               </mc:Choice>
@@ -11595,7 +12372,7 @@
           <a:graphicData uri="http://schemas.openxmlformats.org/presentationml/2006/ole">
             <mc:AlternateContent xmlns:mc="http://schemas.openxmlformats.org/markup-compatibility/2006">
               <mc:Choice xmlns:v="urn:schemas-microsoft-com:vml" Requires="v">
-                <p:oleObj spid="_x0000_s143406" name="Equation" r:id="rId6" imgW="127000" imgH="190500" progId="Equation.DSMT4">
+                <p:oleObj spid="_x0000_s143424" name="Equation" r:id="rId6" imgW="127000" imgH="190500" progId="Equation.DSMT4">
                   <p:embed/>
                 </p:oleObj>
               </mc:Choice>
@@ -11717,7 +12494,7 @@
           <a:graphicData uri="http://schemas.openxmlformats.org/presentationml/2006/ole">
             <mc:AlternateContent xmlns:mc="http://schemas.openxmlformats.org/markup-compatibility/2006">
               <mc:Choice xmlns:v="urn:schemas-microsoft-com:vml" Requires="v">
-                <p:oleObj spid="_x0000_s143407" name="Equation" r:id="rId8" imgW="901700" imgH="469900" progId="Equation.DSMT4">
+                <p:oleObj spid="_x0000_s143425" name="Equation" r:id="rId8" imgW="901700" imgH="469900" progId="Equation.DSMT4">
                   <p:embed/>
                 </p:oleObj>
               </mc:Choice>
@@ -12060,7 +12837,7 @@
           <a:graphicData uri="http://schemas.openxmlformats.org/presentationml/2006/ole">
             <mc:AlternateContent xmlns:mc="http://schemas.openxmlformats.org/markup-compatibility/2006">
               <mc:Choice xmlns:v="urn:schemas-microsoft-com:vml" Requires="v">
-                <p:oleObj spid="_x0000_s114761" name="Equation" r:id="rId4" imgW="2184400" imgH="520700" progId="Equation.DSMT4">
+                <p:oleObj spid="_x0000_s114766" name="Equation" r:id="rId4" imgW="2184400" imgH="520700" progId="Equation.DSMT4">
                   <p:embed/>
                 </p:oleObj>
               </mc:Choice>
@@ -12333,7 +13110,7 @@
           <a:lstStyle/>
           <a:p>
             <a:r>
-              <a:rPr lang="en-US"/>
+              <a:rPr lang="en-US" dirty="0"/>
               <a:t>Infinite Geometric Series</a:t>
             </a:r>
           </a:p>
@@ -12341,91 +13118,53 @@
       </p:sp>
       <p:graphicFrame>
         <p:nvGraphicFramePr>
-          <p:cNvPr id="118790" name="Object 6"/>
+          <p:cNvPr id="5" name="Object 4"/>
           <p:cNvGraphicFramePr>
             <a:graphicFrameLocks noChangeAspect="1"/>
           </p:cNvGraphicFramePr>
-          <p:nvPr/>
+          <p:nvPr>
+            <p:extLst>
+              <p:ext uri="{D42A27DB-BD31-4B8C-83A1-F6EECF244321}">
+                <p14:modId xmlns:p14="http://schemas.microsoft.com/office/powerpoint/2010/main" val="1598954414"/>
+              </p:ext>
+            </p:extLst>
+          </p:nvPr>
         </p:nvGraphicFramePr>
         <p:xfrm>
-          <a:off x="473075" y="3228975"/>
-          <a:ext cx="8366125" cy="1952625"/>
+          <a:off x="2720078" y="990600"/>
+          <a:ext cx="3703843" cy="1930172"/>
         </p:xfrm>
         <a:graphic>
           <a:graphicData uri="http://schemas.openxmlformats.org/presentationml/2006/ole">
             <mc:AlternateContent xmlns:mc="http://schemas.openxmlformats.org/markup-compatibility/2006">
               <mc:Choice xmlns:v="urn:schemas-microsoft-com:vml" Requires="v">
-                <p:oleObj spid="_x0000_s118855" name="Equation" r:id="rId4" imgW="1955520" imgH="457200" progId="Equation.DSMT4">
+                <p:oleObj spid="_x0000_s118869" name="Equation" r:id="rId4" imgW="901700" imgH="469900" progId="Equation.DSMT4">
                   <p:embed/>
                 </p:oleObj>
               </mc:Choice>
               <mc:Fallback>
-                <p:oleObj name="Equation" r:id="rId4" imgW="1955520" imgH="457200" progId="Equation.DSMT4">
+                <p:oleObj name="Equation" r:id="rId4" imgW="901700" imgH="469900" progId="Equation.DSMT4">
                   <p:embed/>
                   <p:pic>
                     <p:nvPicPr>
-                      <p:cNvPr id="0" name="Object 6"/>
-                      <p:cNvPicPr>
-                        <a:picLocks noChangeAspect="1" noChangeArrowheads="1"/>
-                      </p:cNvPicPr>
+                      <p:cNvPr id="0" name=""/>
+                      <p:cNvPicPr/>
                       <p:nvPr/>
                     </p:nvPicPr>
                     <p:blipFill>
-                      <a:blip r:embed="rId5">
-                        <a:extLst>
-                          <a:ext uri="{28A0092B-C50C-407E-A947-70E740481C1C}">
-                            <a14:useLocalDpi xmlns:a14="http://schemas.microsoft.com/office/drawing/2010/main" val="0"/>
-                          </a:ext>
-                        </a:extLst>
-                      </a:blip>
-                      <a:srcRect/>
+                      <a:blip r:embed="rId5"/>
                       <a:stretch>
                         <a:fillRect/>
                       </a:stretch>
                     </p:blipFill>
-                    <p:spPr bwMode="auto">
+                    <p:spPr>
                       <a:xfrm>
-                        <a:off x="473075" y="3228975"/>
-                        <a:ext cx="8366125" cy="1952625"/>
+                        <a:off x="2720078" y="990600"/>
+                        <a:ext cx="3703843" cy="1930172"/>
                       </a:xfrm>
                       <a:prstGeom prst="rect">
                         <a:avLst/>
                       </a:prstGeom>
-                      <a:noFill/>
-                      <a:ln>
-                        <a:noFill/>
-                      </a:ln>
-                      <a:effectLst/>
-                      <a:extLst>
-                        <a:ext uri="{909E8E84-426E-40dd-AFC4-6F175D3DCCD1}">
-                          <a14:hiddenFill xmlns:a14="http://schemas.microsoft.com/office/drawing/2010/main">
-                            <a:solidFill>
-                              <a:srgbClr val="FFFFFF"/>
-                            </a:solidFill>
-                          </a14:hiddenFill>
-                        </a:ext>
-                        <a:ext uri="{91240B29-F687-4f45-9708-019B960494DF}">
-                          <a14:hiddenLine xmlns:a14="http://schemas.microsoft.com/office/drawing/2010/main" w="31750">
-                            <a:solidFill>
-                              <a:srgbClr val="0000FF"/>
-                            </a:solidFill>
-                            <a:miter lim="800000"/>
-                            <a:headEnd/>
-                            <a:tailEnd/>
-                          </a14:hiddenLine>
-                        </a:ext>
-                        <a:ext uri="{AF507438-7753-43e0-B8FC-AC1667EBCBE1}">
-                          <a14:hiddenEffects xmlns:a14="http://schemas.microsoft.com/office/drawing/2010/main">
-                            <a:effectLst>
-                              <a:outerShdw blurRad="63500" dist="38099" dir="2700000" algn="ctr" rotWithShape="0">
-                                <a:srgbClr val="000000">
-                                  <a:alpha val="74998"/>
-                                </a:srgbClr>
-                              </a:outerShdw>
-                            </a:effectLst>
-                          </a14:hiddenEffects>
-                        </a:ext>
-                      </a:extLst>
                     </p:spPr>
                   </p:pic>
                 </p:oleObj>
@@ -12436,91 +13175,53 @@
       </p:graphicFrame>
       <p:graphicFrame>
         <p:nvGraphicFramePr>
-          <p:cNvPr id="118791" name="Object 7"/>
+          <p:cNvPr id="2" name="Object 1"/>
           <p:cNvGraphicFramePr>
             <a:graphicFrameLocks noChangeAspect="1"/>
           </p:cNvGraphicFramePr>
-          <p:nvPr/>
+          <p:nvPr>
+            <p:extLst>
+              <p:ext uri="{D42A27DB-BD31-4B8C-83A1-F6EECF244321}">
+                <p14:modId xmlns:p14="http://schemas.microsoft.com/office/powerpoint/2010/main" val="2061808206"/>
+              </p:ext>
+            </p:extLst>
+          </p:nvPr>
         </p:nvGraphicFramePr>
         <p:xfrm>
-          <a:off x="2514600" y="1219200"/>
-          <a:ext cx="3806825" cy="1849438"/>
+          <a:off x="581935" y="3048000"/>
+          <a:ext cx="7952465" cy="2243137"/>
         </p:xfrm>
         <a:graphic>
           <a:graphicData uri="http://schemas.openxmlformats.org/presentationml/2006/ole">
             <mc:AlternateContent xmlns:mc="http://schemas.openxmlformats.org/markup-compatibility/2006">
               <mc:Choice xmlns:v="urn:schemas-microsoft-com:vml" Requires="v">
-                <p:oleObj spid="_x0000_s118856" name="Equation" r:id="rId6" imgW="939600" imgH="457200" progId="Equation.DSMT4">
+                <p:oleObj spid="_x0000_s118870" name="Equation" r:id="rId6" imgW="1892300" imgH="533400" progId="Equation.DSMT4">
                   <p:embed/>
                 </p:oleObj>
               </mc:Choice>
               <mc:Fallback>
-                <p:oleObj name="Equation" r:id="rId6" imgW="939600" imgH="457200" progId="Equation.DSMT4">
+                <p:oleObj name="Equation" r:id="rId6" imgW="1892300" imgH="533400" progId="Equation.DSMT4">
                   <p:embed/>
                   <p:pic>
                     <p:nvPicPr>
-                      <p:cNvPr id="0" name="Object 7"/>
-                      <p:cNvPicPr>
-                        <a:picLocks noChangeAspect="1" noChangeArrowheads="1"/>
-                      </p:cNvPicPr>
+                      <p:cNvPr id="0" name=""/>
+                      <p:cNvPicPr/>
                       <p:nvPr/>
                     </p:nvPicPr>
                     <p:blipFill>
-                      <a:blip r:embed="rId7">
-                        <a:extLst>
-                          <a:ext uri="{28A0092B-C50C-407E-A947-70E740481C1C}">
-                            <a14:useLocalDpi xmlns:a14="http://schemas.microsoft.com/office/drawing/2010/main" val="0"/>
-                          </a:ext>
-                        </a:extLst>
-                      </a:blip>
-                      <a:srcRect/>
+                      <a:blip r:embed="rId7"/>
                       <a:stretch>
                         <a:fillRect/>
                       </a:stretch>
                     </p:blipFill>
-                    <p:spPr bwMode="auto">
+                    <p:spPr>
                       <a:xfrm>
-                        <a:off x="2514600" y="1219200"/>
-                        <a:ext cx="3806825" cy="1849438"/>
+                        <a:off x="581935" y="3048000"/>
+                        <a:ext cx="7952465" cy="2243137"/>
                       </a:xfrm>
                       <a:prstGeom prst="rect">
                         <a:avLst/>
                       </a:prstGeom>
-                      <a:noFill/>
-                      <a:ln>
-                        <a:noFill/>
-                      </a:ln>
-                      <a:effectLst/>
-                      <a:extLst>
-                        <a:ext uri="{909E8E84-426E-40dd-AFC4-6F175D3DCCD1}">
-                          <a14:hiddenFill xmlns:a14="http://schemas.microsoft.com/office/drawing/2010/main">
-                            <a:solidFill>
-                              <a:srgbClr val="FFFFFF"/>
-                            </a:solidFill>
-                          </a14:hiddenFill>
-                        </a:ext>
-                        <a:ext uri="{91240B29-F687-4f45-9708-019B960494DF}">
-                          <a14:hiddenLine xmlns:a14="http://schemas.microsoft.com/office/drawing/2010/main" w="9525">
-                            <a:solidFill>
-                              <a:srgbClr val="000000"/>
-                            </a:solidFill>
-                            <a:miter lim="800000"/>
-                            <a:headEnd/>
-                            <a:tailEnd/>
-                          </a14:hiddenLine>
-                        </a:ext>
-                        <a:ext uri="{AF507438-7753-43e0-B8FC-AC1667EBCBE1}">
-                          <a14:hiddenEffects xmlns:a14="http://schemas.microsoft.com/office/drawing/2010/main">
-                            <a:effectLst>
-                              <a:outerShdw blurRad="63500" dist="38099" dir="2700000" algn="ctr" rotWithShape="0">
-                                <a:srgbClr val="000000">
-                                  <a:alpha val="74998"/>
-                                </a:srgbClr>
-                              </a:outerShdw>
-                            </a:effectLst>
-                          </a14:hiddenEffects>
-                        </a:ext>
-                      </a:extLst>
                     </p:spPr>
                   </p:pic>
                 </p:oleObj>
@@ -12529,6 +13230,113 @@
           </a:graphicData>
         </a:graphic>
       </p:graphicFrame>
+      <p:sp>
+        <p:nvSpPr>
+          <p:cNvPr id="7" name="Text Box 5"/>
+          <p:cNvSpPr txBox="1">
+            <a:spLocks noChangeArrowheads="1"/>
+          </p:cNvSpPr>
+          <p:nvPr/>
+        </p:nvSpPr>
+        <p:spPr bwMode="auto">
+          <a:xfrm>
+            <a:off x="2714625" y="5486400"/>
+            <a:ext cx="3762375" cy="946150"/>
+          </a:xfrm>
+          <a:prstGeom prst="rect">
+            <a:avLst/>
+          </a:prstGeom>
+          <a:noFill/>
+          <a:ln>
+            <a:noFill/>
+          </a:ln>
+          <a:effectLst/>
+          <a:extLst>
+            <a:ext uri="{909E8E84-426E-40dd-AFC4-6F175D3DCCD1}">
+              <a14:hiddenFill xmlns:a14="http://schemas.microsoft.com/office/drawing/2010/main">
+                <a:solidFill>
+                  <a:schemeClr val="accent1"/>
+                </a:solidFill>
+              </a14:hiddenFill>
+            </a:ext>
+            <a:ext uri="{91240B29-F687-4f45-9708-019B960494DF}">
+              <a14:hiddenLine xmlns:a14="http://schemas.microsoft.com/office/drawing/2010/main" w="9525">
+                <a:solidFill>
+                  <a:schemeClr val="tx1"/>
+                </a:solidFill>
+                <a:miter lim="800000"/>
+                <a:headEnd/>
+                <a:tailEnd/>
+              </a14:hiddenLine>
+            </a:ext>
+            <a:ext uri="{AF507438-7753-43e0-B8FC-AC1667EBCBE1}">
+              <a14:hiddenEffects xmlns:a14="http://schemas.microsoft.com/office/drawing/2010/main">
+                <a:effectLst>
+                  <a:outerShdw blurRad="63500" dist="38099" dir="2700000" algn="ctr" rotWithShape="0">
+                    <a:schemeClr val="bg2">
+                      <a:alpha val="74998"/>
+                    </a:schemeClr>
+                  </a:outerShdw>
+                </a:effectLst>
+              </a14:hiddenEffects>
+            </a:ext>
+          </a:extLst>
+        </p:spPr>
+        <p:txBody>
+          <a:bodyPr wrap="none">
+            <a:spAutoFit/>
+          </a:bodyPr>
+          <a:lstStyle/>
+          <a:p>
+            <a:r>
+              <a:rPr lang="en-US" sz="5600" dirty="0">
+                <a:latin typeface="Comic Sans MS" charset="0"/>
+              </a:rPr>
+              <a:t>for </a:t>
+            </a:r>
+            <a:r>
+              <a:rPr lang="en-US" sz="5600" dirty="0">
+                <a:solidFill>
+                  <a:srgbClr val="3333FF"/>
+                </a:solidFill>
+                <a:latin typeface="Comic Sans MS" charset="0"/>
+              </a:rPr>
+              <a:t>|x|</a:t>
+            </a:r>
+            <a:r>
+              <a:rPr lang="en-US" sz="5600" dirty="0">
+                <a:latin typeface="Comic Sans MS" charset="0"/>
+              </a:rPr>
+              <a:t> </a:t>
+            </a:r>
+            <a:r>
+              <a:rPr lang="en-US" sz="5600" b="1" dirty="0">
+                <a:solidFill>
+                  <a:srgbClr val="3333FF"/>
+                </a:solidFill>
+                <a:latin typeface="Courier New" charset="0"/>
+                <a:cs typeface="Courier New" charset="0"/>
+              </a:rPr>
+              <a:t>&lt;</a:t>
+            </a:r>
+            <a:r>
+              <a:rPr lang="en-US" sz="5600" b="1" dirty="0">
+                <a:latin typeface="Comic Sans MS" charset="0"/>
+              </a:rPr>
+              <a:t> </a:t>
+            </a:r>
+            <a:r>
+              <a:rPr lang="en-US" sz="5600" dirty="0">
+                <a:solidFill>
+                  <a:srgbClr val="3333FF"/>
+                </a:solidFill>
+                <a:latin typeface="Comic Sans MS" charset="0"/>
+              </a:rPr>
+              <a:t>1</a:t>
+            </a:r>
+          </a:p>
+        </p:txBody>
+      </p:sp>
     </p:spTree>
   </p:cSld>
   <p:clrMapOvr>
@@ -12549,9 +13357,141 @@
   <p:timing>
     <p:tnLst>
       <p:par>
-        <p:cTn xmlns:p14="http://schemas.microsoft.com/office/powerpoint/2010/main" id="1" dur="indefinite" restart="never" nodeType="tmRoot"/>
+        <p:cTn xmlns:p14="http://schemas.microsoft.com/office/powerpoint/2010/main" id="1" dur="indefinite" restart="never" nodeType="tmRoot">
+          <p:childTnLst>
+            <p:seq concurrent="1" nextAc="seek">
+              <p:cTn id="2" dur="indefinite" nodeType="mainSeq">
+                <p:childTnLst>
+                  <p:par>
+                    <p:cTn id="3" fill="hold">
+                      <p:stCondLst>
+                        <p:cond delay="indefinite"/>
+                      </p:stCondLst>
+                      <p:childTnLst>
+                        <p:par>
+                          <p:cTn id="4" fill="hold">
+                            <p:stCondLst>
+                              <p:cond delay="0"/>
+                            </p:stCondLst>
+                            <p:childTnLst>
+                              <p:par>
+                                <p:cTn id="5" presetID="22" presetClass="entr" presetSubtype="8" fill="hold" nodeType="clickEffect">
+                                  <p:stCondLst>
+                                    <p:cond delay="0"/>
+                                  </p:stCondLst>
+                                  <p:childTnLst>
+                                    <p:set>
+                                      <p:cBhvr>
+                                        <p:cTn id="6" dur="1" fill="hold">
+                                          <p:stCondLst>
+                                            <p:cond delay="0"/>
+                                          </p:stCondLst>
+                                        </p:cTn>
+                                        <p:tgtEl>
+                                          <p:spTgt spid="2"/>
+                                        </p:tgtEl>
+                                        <p:attrNameLst>
+                                          <p:attrName>style.visibility</p:attrName>
+                                        </p:attrNameLst>
+                                      </p:cBhvr>
+                                      <p:to>
+                                        <p:strVal val="visible"/>
+                                      </p:to>
+                                    </p:set>
+                                    <p:animEffect transition="in" filter="wipe(left)">
+                                      <p:cBhvr>
+                                        <p:cTn id="7" dur="1000"/>
+                                        <p:tgtEl>
+                                          <p:spTgt spid="2"/>
+                                        </p:tgtEl>
+                                      </p:cBhvr>
+                                    </p:animEffect>
+                                  </p:childTnLst>
+                                </p:cTn>
+                              </p:par>
+                            </p:childTnLst>
+                          </p:cTn>
+                        </p:par>
+                      </p:childTnLst>
+                    </p:cTn>
+                  </p:par>
+                  <p:par>
+                    <p:cTn id="8" fill="hold">
+                      <p:stCondLst>
+                        <p:cond delay="indefinite"/>
+                      </p:stCondLst>
+                      <p:childTnLst>
+                        <p:par>
+                          <p:cTn id="9" fill="hold">
+                            <p:stCondLst>
+                              <p:cond delay="0"/>
+                            </p:stCondLst>
+                            <p:childTnLst>
+                              <p:par>
+                                <p:cTn id="10" presetID="22" presetClass="entr" presetSubtype="1" fill="hold" grpId="0" nodeType="clickEffect">
+                                  <p:stCondLst>
+                                    <p:cond delay="0"/>
+                                  </p:stCondLst>
+                                  <p:childTnLst>
+                                    <p:set>
+                                      <p:cBhvr>
+                                        <p:cTn id="11" dur="1" fill="hold">
+                                          <p:stCondLst>
+                                            <p:cond delay="0"/>
+                                          </p:stCondLst>
+                                        </p:cTn>
+                                        <p:tgtEl>
+                                          <p:spTgt spid="7"/>
+                                        </p:tgtEl>
+                                        <p:attrNameLst>
+                                          <p:attrName>style.visibility</p:attrName>
+                                        </p:attrNameLst>
+                                      </p:cBhvr>
+                                      <p:to>
+                                        <p:strVal val="visible"/>
+                                      </p:to>
+                                    </p:set>
+                                    <p:animEffect transition="in" filter="wipe(up)">
+                                      <p:cBhvr>
+                                        <p:cTn id="12" dur="1000"/>
+                                        <p:tgtEl>
+                                          <p:spTgt spid="7"/>
+                                        </p:tgtEl>
+                                      </p:cBhvr>
+                                    </p:animEffect>
+                                  </p:childTnLst>
+                                </p:cTn>
+                              </p:par>
+                            </p:childTnLst>
+                          </p:cTn>
+                        </p:par>
+                      </p:childTnLst>
+                    </p:cTn>
+                  </p:par>
+                </p:childTnLst>
+              </p:cTn>
+              <p:prevCondLst>
+                <p:cond evt="onPrev" delay="0">
+                  <p:tgtEl>
+                    <p:sldTgt/>
+                  </p:tgtEl>
+                </p:cond>
+              </p:prevCondLst>
+              <p:nextCondLst>
+                <p:cond evt="onNext" delay="0">
+                  <p:tgtEl>
+                    <p:sldTgt/>
+                  </p:tgtEl>
+                </p:cond>
+              </p:nextCondLst>
+            </p:seq>
+          </p:childTnLst>
+        </p:cTn>
       </p:par>
     </p:tnLst>
+    <p:bldLst>
+      <p:bldP spid="7" grpId="0"/>
+    </p:bldLst>
   </p:timing>
 </p:sld>
 </file>
